--- a/04. ASP.NET MVC/Aufbau einer Webapplikation mit ASP.NET MVC.pptx
+++ b/04. ASP.NET MVC/Aufbau einer Webapplikation mit ASP.NET MVC.pptx
@@ -315,7 +315,7 @@
               <a:pPr>
                 <a:defRPr/>
               </a:pPr>
-              <a:t>29.09.2015</a:t>
+              <a:t>30.01.2017</a:t>
             </a:fld>
             <a:endParaRPr lang="de-DE"/>
           </a:p>
@@ -514,7 +514,7 @@
               <a:pPr>
                 <a:defRPr/>
               </a:pPr>
-              <a:t>2015-09-29</a:t>
+              <a:t>2017-01-30</a:t>
             </a:fld>
             <a:endParaRPr lang="sv-SE"/>
           </a:p>
@@ -6058,7 +6058,7 @@
             <a:fld id="{989CBD0A-9AE6-4478-99A9-BC227321828D}" type="datetimeFigureOut">
               <a:rPr lang="en-US" smtClean="0"/>
               <a:pPr/>
-              <a:t>9/29/2015</a:t>
+              <a:t>1/30/2017</a:t>
             </a:fld>
             <a:endParaRPr lang="en-US"/>
           </a:p>
@@ -19525,7 +19525,7 @@
           <a:p>
             <a:r>
               <a:rPr lang="de-DE" dirty="0" smtClean="0"/>
-              <a:t>Felix Radzanowski</a:t>
+              <a:t>Benedikt Bergmann</a:t>
             </a:r>
             <a:endParaRPr lang="de-DE" dirty="0"/>
           </a:p>
@@ -19813,7 +19813,7 @@
           <a:p>
             <a:r>
               <a:rPr lang="en-US" b="0" dirty="0" smtClean="0"/>
-              <a:t>Models </a:t>
+              <a:t>“Models” </a:t>
             </a:r>
             <a:r>
               <a:rPr lang="en-US" b="0" dirty="0" err="1" smtClean="0"/>
@@ -19839,8 +19839,8 @@
           </a:p>
           <a:p>
             <a:r>
-              <a:rPr lang="en-US" b="0" dirty="0"/>
-              <a:t>Views </a:t>
+              <a:rPr lang="en-US" b="0" dirty="0" smtClean="0"/>
+              <a:t>“Views” </a:t>
             </a:r>
             <a:r>
               <a:rPr lang="en-US" b="0" dirty="0" err="1" smtClean="0"/>
@@ -19858,8 +19858,8 @@
           </a:p>
           <a:p>
             <a:r>
-              <a:rPr lang="en-US" b="0" dirty="0"/>
-              <a:t>Controllers </a:t>
+              <a:rPr lang="en-US" b="0" dirty="0" smtClean="0"/>
+              <a:t>“Controllers” </a:t>
             </a:r>
             <a:r>
               <a:rPr lang="en-US" b="0" dirty="0" err="1" smtClean="0"/>
@@ -19890,7 +19890,22 @@
             </a:r>
             <a:r>
               <a:rPr lang="en-US" b="0" dirty="0" smtClean="0"/>
-              <a:t> in Visual Studio</a:t>
+              <a:t> in Visual </a:t>
+            </a:r>
+            <a:r>
+              <a:rPr lang="en-US" b="0" dirty="0" smtClean="0"/>
+              <a:t>Studio</a:t>
+            </a:r>
+          </a:p>
+          <a:p>
+            <a:pPr lvl="1"/>
+            <a:r>
+              <a:rPr lang="en-US" dirty="0" err="1" smtClean="0"/>
+              <a:t>Ansonsten</a:t>
+            </a:r>
+            <a:r>
+              <a:rPr lang="en-US" dirty="0" smtClean="0"/>
+              <a:t> MVVM</a:t>
             </a:r>
             <a:endParaRPr lang="en-US" b="0" dirty="0"/>
           </a:p>
@@ -22169,7 +22184,7 @@
             </a:r>
             <a:r>
               <a:rPr lang="en-US" sz="2000" dirty="0" err="1" smtClean="0"/>
-              <a:t>einfach</a:t>
+              <a:t>einfache</a:t>
             </a:r>
             <a:r>
               <a:rPr lang="en-US" sz="2000" dirty="0" smtClean="0"/>
@@ -22184,16 +22199,12 @@
               <a:t> an </a:t>
             </a:r>
             <a:r>
-              <a:rPr lang="en-US" sz="2000" err="1" smtClean="0"/>
+              <a:rPr lang="en-US" sz="2000" dirty="0" err="1" smtClean="0"/>
               <a:t>eine</a:t>
             </a:r>
             <a:r>
-              <a:rPr lang="en-US" sz="2000" smtClean="0"/>
-              <a:t> </a:t>
-            </a:r>
-            <a:r>
-              <a:rPr lang="en-US" sz="2000" smtClean="0"/>
-              <a:t>View </a:t>
+              <a:rPr lang="en-US" sz="2000" dirty="0" smtClean="0"/>
+              <a:t> View </a:t>
             </a:r>
             <a:r>
               <a:rPr lang="en-US" sz="2000" dirty="0" err="1" smtClean="0"/>

--- a/04. ASP.NET MVC/Aufbau einer Webapplikation mit ASP.NET MVC.pptx
+++ b/04. ASP.NET MVC/Aufbau einer Webapplikation mit ASP.NET MVC.pptx
@@ -28,7 +28,7 @@
     <p:sldId id="394" r:id="rId16"/>
     <p:sldId id="395" r:id="rId17"/>
     <p:sldId id="396" r:id="rId18"/>
-    <p:sldId id="398" r:id="rId19"/>
+    <p:sldId id="400" r:id="rId19"/>
     <p:sldId id="290" r:id="rId20"/>
   </p:sldIdLst>
   <p:sldSz cx="12190413" cy="6859588"/>
@@ -314,7 +314,7 @@
               <a:pPr>
                 <a:defRPr/>
               </a:pPr>
-              <a:t>24.02.2017</a:t>
+              <a:t>03.03.2017</a:t>
             </a:fld>
             <a:endParaRPr lang="de-DE"/>
           </a:p>
@@ -513,7 +513,7 @@
               <a:pPr>
                 <a:defRPr/>
               </a:pPr>
-              <a:t>2017-02-24</a:t>
+              <a:t>2017-03-03</a:t>
             </a:fld>
             <a:endParaRPr lang="sv-SE"/>
           </a:p>
@@ -5947,7 +5947,7 @@
             <a:fld id="{989CBD0A-9AE6-4478-99A9-BC227321828D}" type="datetimeFigureOut">
               <a:rPr lang="en-US" smtClean="0"/>
               <a:pPr/>
-              <a:t>2/24/2017</a:t>
+              <a:t>3/3/2017</a:t>
             </a:fld>
             <a:endParaRPr lang="en-US"/>
           </a:p>
@@ -18110,7 +18110,7 @@
       </p:grpSpPr>
       <p:sp>
         <p:nvSpPr>
-          <p:cNvPr id="3" name="Titel 2"/>
+          <p:cNvPr id="6" name="Titel 5"/>
           <p:cNvSpPr>
             <a:spLocks noGrp="1"/>
           </p:cNvSpPr>
@@ -18133,7 +18133,7 @@
       </p:sp>
       <p:sp>
         <p:nvSpPr>
-          <p:cNvPr id="4" name="Untertitel 3"/>
+          <p:cNvPr id="7" name="Untertitel 6"/>
           <p:cNvSpPr>
             <a:spLocks noGrp="1"/>
           </p:cNvSpPr>
@@ -18150,13 +18150,38 @@
               <a:rPr lang="de-DE" dirty="0"/>
               <a:t>04. Aufbau einer Webapplikation mit ASP.NET MVC</a:t>
             </a:r>
+            <a:endParaRPr lang="de-DE" dirty="0"/>
+          </a:p>
+        </p:txBody>
+      </p:sp>
+      <p:sp>
+        <p:nvSpPr>
+          <p:cNvPr id="4" name="Foliennummernplatzhalter 3"/>
+          <p:cNvSpPr>
+            <a:spLocks noGrp="1"/>
+          </p:cNvSpPr>
+          <p:nvPr>
+            <p:ph type="sldNum" sz="quarter" idx="10"/>
+          </p:nvPr>
+        </p:nvSpPr>
+        <p:spPr/>
+        <p:txBody>
+          <a:bodyPr/>
+          <a:lstStyle/>
+          <a:p>
+            <a:fld id="{8F35CB8A-22DD-4279-9E9E-A49CDB5FBE56}" type="slidenum">
+              <a:rPr lang="en-US" smtClean="0"/>
+              <a:pPr/>
+              <a:t>18</a:t>
+            </a:fld>
+            <a:endParaRPr lang="en-US" dirty="0"/>
           </a:p>
         </p:txBody>
       </p:sp>
     </p:spTree>
     <p:extLst>
       <p:ext uri="{BB962C8B-B14F-4D97-AF65-F5344CB8AC3E}">
-        <p14:creationId xmlns:p14="http://schemas.microsoft.com/office/powerpoint/2010/main" val="1014836467"/>
+        <p14:creationId xmlns:p14="http://schemas.microsoft.com/office/powerpoint/2010/main" val="2336042691"/>
       </p:ext>
     </p:extLst>
   </p:cSld>

--- a/04. ASP.NET MVC/Aufbau einer Webapplikation mit ASP.NET MVC.pptx
+++ b/04. ASP.NET MVC/Aufbau einer Webapplikation mit ASP.NET MVC.pptx
@@ -314,7 +314,7 @@
               <a:pPr>
                 <a:defRPr/>
               </a:pPr>
-              <a:t>03.03.2017</a:t>
+              <a:t>07.09.2017</a:t>
             </a:fld>
             <a:endParaRPr lang="de-DE"/>
           </a:p>
@@ -513,7 +513,7 @@
               <a:pPr>
                 <a:defRPr/>
               </a:pPr>
-              <a:t>2017-03-03</a:t>
+              <a:t>2017-09-07</a:t>
             </a:fld>
             <a:endParaRPr lang="sv-SE"/>
           </a:p>
@@ -5947,7 +5947,7 @@
             <a:fld id="{989CBD0A-9AE6-4478-99A9-BC227321828D}" type="datetimeFigureOut">
               <a:rPr lang="en-US" smtClean="0"/>
               <a:pPr/>
-              <a:t>3/3/2017</a:t>
+              <a:t>9/7/2017</a:t>
             </a:fld>
             <a:endParaRPr lang="en-US"/>
           </a:p>
@@ -18150,7 +18150,6 @@
               <a:rPr lang="de-DE" dirty="0"/>
               <a:t>04. Aufbau einer Webapplikation mit ASP.NET MVC</a:t>
             </a:r>
-            <a:endParaRPr lang="de-DE" dirty="0"/>
           </a:p>
         </p:txBody>
       </p:sp>
@@ -18708,8 +18707,8 @@
           <a:lstStyle/>
           <a:p>
             <a:r>
-              <a:rPr lang="de-DE" dirty="0" smtClean="0"/>
-              <a:t>Benedikt Bergmann</a:t>
+              <a:rPr lang="de-DE" dirty="0"/>
+              <a:t>Sadeq Abu Hantash</a:t>
             </a:r>
             <a:endParaRPr lang="de-DE" dirty="0"/>
           </a:p>

--- a/04. ASP.NET MVC/Aufbau einer Webapplikation mit ASP.NET MVC.pptx
+++ b/04. ASP.NET MVC/Aufbau einer Webapplikation mit ASP.NET MVC.pptx
@@ -314,7 +314,7 @@
               <a:pPr>
                 <a:defRPr/>
               </a:pPr>
-              <a:t>07.09.2017</a:t>
+              <a:t>27.09.2017</a:t>
             </a:fld>
             <a:endParaRPr lang="de-DE"/>
           </a:p>
@@ -513,7 +513,7 @@
               <a:pPr>
                 <a:defRPr/>
               </a:pPr>
-              <a:t>2017-09-07</a:t>
+              <a:t>2017-09-27</a:t>
             </a:fld>
             <a:endParaRPr lang="sv-SE"/>
           </a:p>
@@ -995,7 +995,7 @@
         </p:nvSpPr>
         <p:spPr>
           <a:xfrm>
-            <a:off x="310895" y="2093975"/>
+            <a:off x="310895" y="2093976"/>
             <a:ext cx="6153911" cy="6604000"/>
           </a:xfrm>
         </p:spPr>
@@ -1014,12 +1014,30 @@
               </a:spcAft>
             </a:pPr>
             <a:r>
+              <a:rPr lang="en-US" sz="1000">
+                <a:latin typeface="Arial"/>
+                <a:ea typeface="Calibri"/>
+                <a:cs typeface="Times New Roman"/>
+              </a:rPr>
+              <a:t>The action helpers described in this topic examine the routes defined in your web application to render the correct URLs. Students have not yet learned about the routing engine or how to modify routes. They will learn about routing in Module 7.</a:t>
+            </a:r>
+          </a:p>
+          <a:p>
+            <a:pPr>
+              <a:lnSpc>
+                <a:spcPct val="115000"/>
+              </a:lnSpc>
+              <a:spcAft>
+                <a:spcPts val="1000"/>
+              </a:spcAft>
+            </a:pPr>
+            <a:r>
               <a:rPr lang="en-US" sz="1000" b="1">
                 <a:latin typeface="Arial"/>
                 <a:ea typeface="Calibri"/>
                 <a:cs typeface="Times New Roman"/>
               </a:rPr>
-              <a:t>Question: </a:t>
+              <a:t>Question:</a:t>
             </a:r>
             <a:r>
               <a:rPr lang="en-US" sz="1000">
@@ -1027,7 +1045,7 @@
                 <a:ea typeface="Calibri"/>
                 <a:cs typeface="Times New Roman"/>
               </a:rPr>
-              <a:t>You want to ensure that a view displays “This product was last changed on” before the </a:t>
+              <a:t> You want to render an HTML5 </a:t>
             </a:r>
             <a:r>
               <a:rPr lang="en-US" sz="1000" b="1">
@@ -1035,7 +1053,7 @@
                 <a:ea typeface="Calibri"/>
                 <a:cs typeface="Times New Roman"/>
               </a:rPr>
-              <a:t>ModifiedDate</a:t>
+              <a:t>&lt;audio&gt;</a:t>
             </a:r>
             <a:r>
               <a:rPr lang="en-US" sz="1000">
@@ -1043,7 +1061,7 @@
                 <a:ea typeface="Calibri"/>
                 <a:cs typeface="Times New Roman"/>
               </a:rPr>
-              <a:t> property. This text is declared in the class with the </a:t>
+              <a:t> tag to play a sound file from an action. Would you use the </a:t>
             </a:r>
             <a:r>
               <a:rPr lang="en-US" sz="1000" b="1">
@@ -1051,7 +1069,7 @@
                 <a:ea typeface="Calibri"/>
                 <a:cs typeface="Times New Roman"/>
               </a:rPr>
-              <a:t>DisplayName</a:t>
+              <a:t>Html.ActionLink()</a:t>
             </a:r>
             <a:r>
               <a:rPr lang="en-US" sz="1000">
@@ -1059,7 +1077,23 @@
                 <a:ea typeface="Calibri"/>
                 <a:cs typeface="Times New Roman"/>
               </a:rPr>
-              <a:t> annotation. What code would you write in the view?</a:t>
+              <a:t> helper or the </a:t>
+            </a:r>
+            <a:r>
+              <a:rPr lang="en-US" sz="1000" b="1">
+                <a:latin typeface="Arial"/>
+                <a:ea typeface="Calibri"/>
+                <a:cs typeface="Times New Roman"/>
+              </a:rPr>
+              <a:t>Url.Action()</a:t>
+            </a:r>
+            <a:r>
+              <a:rPr lang="en-US" sz="1000">
+                <a:latin typeface="Arial"/>
+                <a:ea typeface="Calibri"/>
+                <a:cs typeface="Times New Roman"/>
+              </a:rPr>
+              <a:t> helper?</a:t>
             </a:r>
           </a:p>
           <a:p>
@@ -1080,18 +1114,61 @@
               <a:t>Answer: </a:t>
             </a:r>
             <a:r>
-              <a:rPr lang="en-US" sz="1000" smtClean="0">
+              <a:rPr lang="en-US" sz="1000">
                 <a:latin typeface="Arial"/>
                 <a:ea typeface="Calibri"/>
                 <a:cs typeface="Times New Roman"/>
               </a:rPr>
-              <a:t>@Html.DisplayNameFor(model =&gt; model.ModifiedDate)</a:t>
-            </a:r>
-            <a:endParaRPr lang="en-US" sz="1000">
-              <a:latin typeface="Arial"/>
-              <a:ea typeface="Calibri"/>
-              <a:cs typeface="Times New Roman"/>
-            </a:endParaRPr>
+              <a:t>You would use the </a:t>
+            </a:r>
+            <a:r>
+              <a:rPr lang="en-US" sz="1000" b="1">
+                <a:latin typeface="Arial"/>
+                <a:ea typeface="Calibri"/>
+                <a:cs typeface="Times New Roman"/>
+              </a:rPr>
+              <a:t>Url.Action()</a:t>
+            </a:r>
+            <a:r>
+              <a:rPr lang="en-US" sz="1000">
+                <a:latin typeface="Arial"/>
+                <a:ea typeface="Calibri"/>
+                <a:cs typeface="Times New Roman"/>
+              </a:rPr>
+              <a:t> helper because you are rendering an attribute within the </a:t>
+            </a:r>
+            <a:r>
+              <a:rPr lang="en-US" sz="1000" b="1">
+                <a:latin typeface="Arial"/>
+                <a:ea typeface="Calibri"/>
+                <a:cs typeface="Times New Roman"/>
+              </a:rPr>
+              <a:t>&lt;audio&gt;</a:t>
+            </a:r>
+            <a:r>
+              <a:rPr lang="en-US" sz="1000">
+                <a:latin typeface="Arial"/>
+                <a:ea typeface="Calibri"/>
+                <a:cs typeface="Times New Roman"/>
+              </a:rPr>
+              <a:t> tag, and not a complete </a:t>
+            </a:r>
+            <a:r>
+              <a:rPr lang="en-US" sz="1000" b="1">
+                <a:latin typeface="Arial"/>
+                <a:ea typeface="Calibri"/>
+                <a:cs typeface="Times New Roman"/>
+              </a:rPr>
+              <a:t>&lt;a&gt;</a:t>
+            </a:r>
+            <a:r>
+              <a:rPr lang="en-US" sz="1000">
+                <a:latin typeface="Arial"/>
+                <a:ea typeface="Calibri"/>
+                <a:cs typeface="Times New Roman"/>
+              </a:rPr>
+              <a:t> element.</a:t>
+            </a:r>
           </a:p>
         </p:txBody>
       </p:sp>
@@ -1113,7 +1190,7 @@
             <a:fld id="{30A63372-EC95-466A-A185-BFDB32169D16}" type="slidenum">
               <a:rPr lang="en-US" smtClean="0"/>
               <a:pPr/>
-              <a:t>14</a:t>
+              <a:t>13</a:t>
             </a:fld>
             <a:endParaRPr lang="en-US"/>
           </a:p>
@@ -1236,7 +1313,7 @@
     </p:spTree>
     <p:extLst>
       <p:ext uri="{BB962C8B-B14F-4D97-AF65-F5344CB8AC3E}">
-        <p14:creationId xmlns:p14="http://schemas.microsoft.com/office/powerpoint/2010/main" val="2710202548"/>
+        <p14:creationId xmlns:p14="http://schemas.microsoft.com/office/powerpoint/2010/main" val="2503405695"/>
       </p:ext>
     </p:extLst>
   </p:cSld>
@@ -1322,9 +1399,9 @@
               <a:rPr lang="en-US" sz="1000">
                 <a:latin typeface="Arial"/>
                 <a:ea typeface="Calibri"/>
-                <a:cs typeface="Segoe UI"/>
-              </a:rPr>
-              <a:t>You have created a form with a file selector control that uses the GET method. You have set the </a:t>
+                <a:cs typeface="Times New Roman"/>
+              </a:rPr>
+              <a:t>You want to ensure that a view displays “This product was last changed on” before the </a:t>
             </a:r>
             <a:r>
               <a:rPr lang="en-US" sz="1000" b="1">
@@ -1332,15 +1409,15 @@
                 <a:ea typeface="Calibri"/>
                 <a:cs typeface="Times New Roman"/>
               </a:rPr>
-              <a:t>enctype</a:t>
+              <a:t>ModifiedDate</a:t>
             </a:r>
             <a:r>
               <a:rPr lang="en-US" sz="1000">
                 <a:latin typeface="Arial"/>
                 <a:ea typeface="Calibri"/>
-                <a:cs typeface="Segoe UI"/>
-              </a:rPr>
-              <a:t> attribute to </a:t>
+                <a:cs typeface="Times New Roman"/>
+              </a:rPr>
+              <a:t> property. This text is declared in the class with the </a:t>
             </a:r>
             <a:r>
               <a:rPr lang="en-US" sz="1000" b="1">
@@ -1348,21 +1425,16 @@
                 <a:ea typeface="Calibri"/>
                 <a:cs typeface="Times New Roman"/>
               </a:rPr>
-              <a:t>multipart/form-data</a:t>
+              <a:t>DisplayName</a:t>
             </a:r>
             <a:r>
               <a:rPr lang="en-US" sz="1000">
                 <a:latin typeface="Arial"/>
                 <a:ea typeface="Calibri"/>
-                <a:cs typeface="Segoe UI"/>
-              </a:rPr>
-              <a:t> but when you try to access the file in the action method, an exception is thrown. What have you possibly done incorrectly?</a:t>
-            </a:r>
-            <a:endParaRPr lang="en-US" sz="1000">
-              <a:latin typeface="Arial"/>
-              <a:ea typeface="Calibri"/>
-              <a:cs typeface="Times New Roman"/>
-            </a:endParaRPr>
+                <a:cs typeface="Times New Roman"/>
+              </a:rPr>
+              <a:t> annotation. What code would you write in the view?</a:t>
+            </a:r>
           </a:p>
           <a:p>
             <a:pPr>
@@ -1382,12 +1454,12 @@
               <a:t>Answer: </a:t>
             </a:r>
             <a:r>
-              <a:rPr lang="en-US" sz="1000">
+              <a:rPr lang="en-US" sz="1000" smtClean="0">
                 <a:latin typeface="Arial"/>
                 <a:ea typeface="Calibri"/>
-                <a:cs typeface="Segoe UI"/>
-              </a:rPr>
-              <a:t>You must use the POST method to upload files.</a:t>
+                <a:cs typeface="Times New Roman"/>
+              </a:rPr>
+              <a:t>@Html.DisplayNameFor(model =&gt; model.ModifiedDate)</a:t>
             </a:r>
             <a:endParaRPr lang="en-US" sz="1000">
               <a:latin typeface="Arial"/>
@@ -1415,7 +1487,7 @@
             <a:fld id="{30A63372-EC95-466A-A185-BFDB32169D16}" type="slidenum">
               <a:rPr lang="en-US" smtClean="0"/>
               <a:pPr/>
-              <a:t>15</a:t>
+              <a:t>14</a:t>
             </a:fld>
             <a:endParaRPr lang="en-US"/>
           </a:p>
@@ -1538,7 +1610,7 @@
     </p:spTree>
     <p:extLst>
       <p:ext uri="{BB962C8B-B14F-4D97-AF65-F5344CB8AC3E}">
-        <p14:creationId xmlns:p14="http://schemas.microsoft.com/office/powerpoint/2010/main" val="930858230"/>
+        <p14:creationId xmlns:p14="http://schemas.microsoft.com/office/powerpoint/2010/main" val="2710202548"/>
       </p:ext>
     </p:extLst>
   </p:cSld>
@@ -1624,9 +1696,9 @@
               <a:rPr lang="en-US" sz="1000">
                 <a:latin typeface="Arial"/>
                 <a:ea typeface="Calibri"/>
-                <a:cs typeface="Times New Roman"/>
-              </a:rPr>
-              <a:t>You have a property in the </a:t>
+                <a:cs typeface="Segoe UI"/>
+              </a:rPr>
+              <a:t>You have created a form with a file selector control that uses the GET method. You have set the </a:t>
             </a:r>
             <a:r>
               <a:rPr lang="en-US" sz="1000" b="1">
@@ -1634,15 +1706,15 @@
                 <a:ea typeface="Calibri"/>
                 <a:cs typeface="Times New Roman"/>
               </a:rPr>
-              <a:t>Product</a:t>
+              <a:t>enctype</a:t>
             </a:r>
             <a:r>
               <a:rPr lang="en-US" sz="1000">
                 <a:latin typeface="Arial"/>
                 <a:ea typeface="Calibri"/>
-                <a:cs typeface="Times New Roman"/>
-              </a:rPr>
-              <a:t> model class named </a:t>
+                <a:cs typeface="Segoe UI"/>
+              </a:rPr>
+              <a:t> attribute to </a:t>
             </a:r>
             <a:r>
               <a:rPr lang="en-US" sz="1000" b="1">
@@ -1650,155 +1722,46 @@
                 <a:ea typeface="Calibri"/>
                 <a:cs typeface="Times New Roman"/>
               </a:rPr>
-              <a:t>ProductID</a:t>
+              <a:t>multipart/form-data</a:t>
             </a:r>
             <a:r>
               <a:rPr lang="en-US" sz="1000">
                 <a:latin typeface="Arial"/>
                 <a:ea typeface="Calibri"/>
-                <a:cs typeface="Times New Roman"/>
-              </a:rPr>
-              <a:t>. You want to include this in the HTML page so that client-side script can use the </a:t>
-            </a:r>
+                <a:cs typeface="Segoe UI"/>
+              </a:rPr>
+              <a:t> but when you try to access the file in the action method, an exception is thrown. What have you possibly done incorrectly?</a:t>
+            </a:r>
+            <a:endParaRPr lang="en-US" sz="1000">
+              <a:latin typeface="Arial"/>
+              <a:ea typeface="Calibri"/>
+              <a:cs typeface="Times New Roman"/>
+            </a:endParaRPr>
+          </a:p>
+          <a:p>
+            <a:pPr>
+              <a:lnSpc>
+                <a:spcPct val="115000"/>
+              </a:lnSpc>
+              <a:spcAft>
+                <a:spcPts val="1000"/>
+              </a:spcAft>
+            </a:pPr>
             <a:r>
               <a:rPr lang="en-US" sz="1000" b="1">
                 <a:latin typeface="Arial"/>
                 <a:ea typeface="Calibri"/>
                 <a:cs typeface="Times New Roman"/>
               </a:rPr>
-              <a:t>ProductID</a:t>
+              <a:t>Answer: </a:t>
             </a:r>
             <a:r>
               <a:rPr lang="en-US" sz="1000">
                 <a:latin typeface="Arial"/>
                 <a:ea typeface="Calibri"/>
-                <a:cs typeface="Times New Roman"/>
-              </a:rPr>
-              <a:t> value. However, you do not want the value to be displayed to users. In the model class, you have annotated the </a:t>
-            </a:r>
-            <a:r>
-              <a:rPr lang="en-US" sz="1000" b="1">
-                <a:latin typeface="Arial"/>
-                <a:ea typeface="Calibri"/>
-                <a:cs typeface="Times New Roman"/>
-              </a:rPr>
-              <a:t>ProductID</a:t>
-            </a:r>
-            <a:r>
-              <a:rPr lang="en-US" sz="1000">
-                <a:latin typeface="Arial"/>
-                <a:ea typeface="Calibri"/>
-                <a:cs typeface="Times New Roman"/>
-              </a:rPr>
-              <a:t> property with the </a:t>
-            </a:r>
-            <a:r>
-              <a:rPr lang="en-US" sz="1000" b="1">
-                <a:latin typeface="Arial"/>
-                <a:ea typeface="Calibri"/>
-                <a:cs typeface="Times New Roman"/>
-              </a:rPr>
-              <a:t>[HiddenInput(DisplayValue=false)]</a:t>
-            </a:r>
-            <a:r>
-              <a:rPr lang="en-US" sz="1000">
-                <a:latin typeface="Arial"/>
-                <a:ea typeface="Calibri"/>
-                <a:cs typeface="Times New Roman"/>
-              </a:rPr>
-              <a:t> attribute. How will the </a:t>
-            </a:r>
-            <a:r>
-              <a:rPr lang="en-US" sz="1000" b="1">
-                <a:latin typeface="Arial"/>
-                <a:ea typeface="Calibri"/>
-                <a:cs typeface="Times New Roman"/>
-              </a:rPr>
-              <a:t>Html.EditorFor()</a:t>
-            </a:r>
-            <a:r>
-              <a:rPr lang="en-US" sz="1000">
-                <a:latin typeface="Arial"/>
-                <a:ea typeface="Calibri"/>
-                <a:cs typeface="Times New Roman"/>
-              </a:rPr>
-              <a:t> helper render this property?</a:t>
-            </a:r>
-          </a:p>
-          <a:p>
-            <a:pPr>
-              <a:lnSpc>
-                <a:spcPct val="115000"/>
-              </a:lnSpc>
-              <a:spcAft>
-                <a:spcPts val="1000"/>
-              </a:spcAft>
-            </a:pPr>
-            <a:r>
-              <a:rPr lang="en-US" sz="1000" b="1">
-                <a:latin typeface="Arial"/>
-                <a:ea typeface="Calibri"/>
-                <a:cs typeface="Times New Roman"/>
-              </a:rPr>
-              <a:t>Answer: </a:t>
-            </a:r>
-            <a:r>
-              <a:rPr lang="en-US" sz="1000">
-                <a:latin typeface="Arial"/>
-                <a:ea typeface="Calibri"/>
-                <a:cs typeface="Times New Roman"/>
-              </a:rPr>
-              <a:t>The </a:t>
-            </a:r>
-            <a:r>
-              <a:rPr lang="en-US" sz="1000" b="1">
-                <a:latin typeface="Arial"/>
-                <a:ea typeface="Calibri"/>
-                <a:cs typeface="Times New Roman"/>
-              </a:rPr>
-              <a:t>Html.EditorFor()</a:t>
-            </a:r>
-            <a:r>
-              <a:rPr lang="en-US" sz="1000">
-                <a:latin typeface="Arial"/>
-                <a:ea typeface="Calibri"/>
-                <a:cs typeface="Times New Roman"/>
-              </a:rPr>
-              <a:t> helper renders the following HTML: </a:t>
-            </a:r>
-          </a:p>
-          <a:p>
-            <a:pPr>
-              <a:lnSpc>
-                <a:spcPct val="115000"/>
-              </a:lnSpc>
-              <a:spcAft>
-                <a:spcPts val="1000"/>
-              </a:spcAft>
-            </a:pPr>
-            <a:r>
-              <a:rPr lang="en-US" sz="1000" b="1">
-                <a:latin typeface="Arial"/>
-                <a:ea typeface="Calibri"/>
-                <a:cs typeface="Times New Roman"/>
-              </a:rPr>
-              <a:t>&lt;input name="ProductID" type="hidden" value="</a:t>
-            </a:r>
-            <a:r>
-              <a:rPr lang="en-US" sz="1000" b="1" i="1">
-                <a:latin typeface="Arial"/>
-                <a:ea typeface="Calibri"/>
-                <a:cs typeface="Times New Roman"/>
-              </a:rPr>
-              <a:t>id</a:t>
-            </a:r>
-            <a:r>
-              <a:rPr lang="en-US" sz="1000" b="1">
-                <a:latin typeface="Arial"/>
-                <a:ea typeface="Calibri"/>
-                <a:cs typeface="Times New Roman"/>
-              </a:rPr>
-              <a:t>"&gt;</a:t>
+                <a:cs typeface="Segoe UI"/>
+              </a:rPr>
+              <a:t>You must use the POST method to upload files.</a:t>
             </a:r>
             <a:endParaRPr lang="en-US" sz="1000">
               <a:latin typeface="Arial"/>
@@ -1826,7 +1789,7 @@
             <a:fld id="{30A63372-EC95-466A-A185-BFDB32169D16}" type="slidenum">
               <a:rPr lang="en-US" smtClean="0"/>
               <a:pPr/>
-              <a:t>16</a:t>
+              <a:t>15</a:t>
             </a:fld>
             <a:endParaRPr lang="en-US"/>
           </a:p>
@@ -1949,7 +1912,7 @@
     </p:spTree>
     <p:extLst>
       <p:ext uri="{BB962C8B-B14F-4D97-AF65-F5344CB8AC3E}">
-        <p14:creationId xmlns:p14="http://schemas.microsoft.com/office/powerpoint/2010/main" val="704674922"/>
+        <p14:creationId xmlns:p14="http://schemas.microsoft.com/office/powerpoint/2010/main" val="930858230"/>
       </p:ext>
     </p:extLst>
   </p:cSld>
@@ -2005,7 +1968,7 @@
         </p:nvSpPr>
         <p:spPr>
           <a:xfrm>
-            <a:off x="310895" y="2093976"/>
+            <a:off x="310895" y="2093975"/>
             <a:ext cx="6153911" cy="6604000"/>
           </a:xfrm>
         </p:spPr>
@@ -2024,46 +1987,258 @@
               </a:spcAft>
             </a:pPr>
             <a:r>
-              <a:rPr lang="en-US" sz="1000">
-                <a:latin typeface="Arial"/>
-                <a:ea typeface="Calibri"/>
-                <a:cs typeface="Segoe UI"/>
-              </a:rPr>
-              <a:t>Remind the students that they learned how to set validation requirements in model classes by using validation data annotations such as </a:t>
-            </a:r>
-            <a:r>
-              <a:rPr lang="en-US" sz="1000" b="1">
+              <a:rPr lang="en-US" sz="1000" b="1" dirty="0">
                 <a:latin typeface="Arial"/>
                 <a:ea typeface="Calibri"/>
                 <a:cs typeface="Times New Roman"/>
               </a:rPr>
-              <a:t>[Required] </a:t>
-            </a:r>
-            <a:r>
-              <a:rPr lang="en-US" sz="1000">
-                <a:latin typeface="Arial"/>
-                <a:ea typeface="Calibri"/>
-                <a:cs typeface="Segoe UI"/>
-              </a:rPr>
-              <a:t>in Module 3. They have also learned how to check the validity of user data in a controller action by testing the </a:t>
-            </a:r>
-            <a:r>
-              <a:rPr lang="en-US" sz="1000" b="1">
+              <a:t>Question: </a:t>
+            </a:r>
+            <a:r>
+              <a:rPr lang="en-US" sz="1000" dirty="0">
                 <a:latin typeface="Arial"/>
                 <a:ea typeface="Calibri"/>
                 <a:cs typeface="Times New Roman"/>
               </a:rPr>
-              <a:t>ModelState.IsValid</a:t>
-            </a:r>
-            <a:r>
-              <a:rPr lang="en-US" sz="1000">
+              <a:t>You have a property in the </a:t>
+            </a:r>
+            <a:r>
+              <a:rPr lang="en-US" sz="1000" b="1" dirty="0">
                 <a:latin typeface="Arial"/>
                 <a:ea typeface="Calibri"/>
-                <a:cs typeface="Segoe UI"/>
-              </a:rPr>
-              <a:t> property in Module 4.</a:t>
-            </a:r>
-            <a:endParaRPr lang="en-US" sz="1000">
+                <a:cs typeface="Times New Roman"/>
+              </a:rPr>
+              <a:t>Product</a:t>
+            </a:r>
+            <a:r>
+              <a:rPr lang="en-US" sz="1000" dirty="0">
+                <a:latin typeface="Arial"/>
+                <a:ea typeface="Calibri"/>
+                <a:cs typeface="Times New Roman"/>
+              </a:rPr>
+              <a:t> model class named </a:t>
+            </a:r>
+            <a:r>
+              <a:rPr lang="en-US" sz="1000" b="1" dirty="0" err="1">
+                <a:latin typeface="Arial"/>
+                <a:ea typeface="Calibri"/>
+                <a:cs typeface="Times New Roman"/>
+              </a:rPr>
+              <a:t>ProductID</a:t>
+            </a:r>
+            <a:r>
+              <a:rPr lang="en-US" sz="1000" dirty="0">
+                <a:latin typeface="Arial"/>
+                <a:ea typeface="Calibri"/>
+                <a:cs typeface="Times New Roman"/>
+              </a:rPr>
+              <a:t>. You want to include this in the HTML page so that client-side script can use the </a:t>
+            </a:r>
+            <a:r>
+              <a:rPr lang="en-US" sz="1000" b="1" dirty="0" err="1">
+                <a:latin typeface="Arial"/>
+                <a:ea typeface="Calibri"/>
+                <a:cs typeface="Times New Roman"/>
+              </a:rPr>
+              <a:t>ProductID</a:t>
+            </a:r>
+            <a:r>
+              <a:rPr lang="en-US" sz="1000" dirty="0">
+                <a:latin typeface="Arial"/>
+                <a:ea typeface="Calibri"/>
+                <a:cs typeface="Times New Roman"/>
+              </a:rPr>
+              <a:t> value. However, you do not want the value to be displayed to users. In the model class, you have annotated the </a:t>
+            </a:r>
+            <a:r>
+              <a:rPr lang="en-US" sz="1000" b="1" dirty="0" err="1">
+                <a:latin typeface="Arial"/>
+                <a:ea typeface="Calibri"/>
+                <a:cs typeface="Times New Roman"/>
+              </a:rPr>
+              <a:t>ProductID</a:t>
+            </a:r>
+            <a:r>
+              <a:rPr lang="en-US" sz="1000" dirty="0">
+                <a:latin typeface="Arial"/>
+                <a:ea typeface="Calibri"/>
+                <a:cs typeface="Times New Roman"/>
+              </a:rPr>
+              <a:t> property with the </a:t>
+            </a:r>
+            <a:r>
+              <a:rPr lang="en-US" sz="1000" b="1" dirty="0">
+                <a:latin typeface="Arial"/>
+                <a:ea typeface="Calibri"/>
+                <a:cs typeface="Times New Roman"/>
+              </a:rPr>
+              <a:t>[</a:t>
+            </a:r>
+            <a:r>
+              <a:rPr lang="en-US" sz="1000" b="1" dirty="0" err="1">
+                <a:latin typeface="Arial"/>
+                <a:ea typeface="Calibri"/>
+                <a:cs typeface="Times New Roman"/>
+              </a:rPr>
+              <a:t>HiddenInput</a:t>
+            </a:r>
+            <a:r>
+              <a:rPr lang="en-US" sz="1000" b="1" dirty="0">
+                <a:latin typeface="Arial"/>
+                <a:ea typeface="Calibri"/>
+                <a:cs typeface="Times New Roman"/>
+              </a:rPr>
+              <a:t>(</a:t>
+            </a:r>
+            <a:r>
+              <a:rPr lang="en-US" sz="1000" b="1" dirty="0" err="1">
+                <a:latin typeface="Arial"/>
+                <a:ea typeface="Calibri"/>
+                <a:cs typeface="Times New Roman"/>
+              </a:rPr>
+              <a:t>DisplayValue</a:t>
+            </a:r>
+            <a:r>
+              <a:rPr lang="en-US" sz="1000" b="1" dirty="0">
+                <a:latin typeface="Arial"/>
+                <a:ea typeface="Calibri"/>
+                <a:cs typeface="Times New Roman"/>
+              </a:rPr>
+              <a:t>=false)]</a:t>
+            </a:r>
+            <a:r>
+              <a:rPr lang="en-US" sz="1000" dirty="0">
+                <a:latin typeface="Arial"/>
+                <a:ea typeface="Calibri"/>
+                <a:cs typeface="Times New Roman"/>
+              </a:rPr>
+              <a:t> attribute. How will the </a:t>
+            </a:r>
+            <a:r>
+              <a:rPr lang="en-US" sz="1000" b="1" dirty="0" err="1">
+                <a:latin typeface="Arial"/>
+                <a:ea typeface="Calibri"/>
+                <a:cs typeface="Times New Roman"/>
+              </a:rPr>
+              <a:t>Html.EditorFor</a:t>
+            </a:r>
+            <a:r>
+              <a:rPr lang="en-US" sz="1000" b="1" dirty="0">
+                <a:latin typeface="Arial"/>
+                <a:ea typeface="Calibri"/>
+                <a:cs typeface="Times New Roman"/>
+              </a:rPr>
+              <a:t>()</a:t>
+            </a:r>
+            <a:r>
+              <a:rPr lang="en-US" sz="1000" dirty="0">
+                <a:latin typeface="Arial"/>
+                <a:ea typeface="Calibri"/>
+                <a:cs typeface="Times New Roman"/>
+              </a:rPr>
+              <a:t> helper render this property?</a:t>
+            </a:r>
+          </a:p>
+          <a:p>
+            <a:pPr>
+              <a:lnSpc>
+                <a:spcPct val="115000"/>
+              </a:lnSpc>
+              <a:spcAft>
+                <a:spcPts val="1000"/>
+              </a:spcAft>
+            </a:pPr>
+            <a:r>
+              <a:rPr lang="en-US" sz="1000" b="1" dirty="0">
+                <a:latin typeface="Arial"/>
+                <a:ea typeface="Calibri"/>
+                <a:cs typeface="Times New Roman"/>
+              </a:rPr>
+              <a:t>Answer: </a:t>
+            </a:r>
+            <a:r>
+              <a:rPr lang="en-US" sz="1000" dirty="0">
+                <a:latin typeface="Arial"/>
+                <a:ea typeface="Calibri"/>
+                <a:cs typeface="Times New Roman"/>
+              </a:rPr>
+              <a:t>The </a:t>
+            </a:r>
+            <a:r>
+              <a:rPr lang="en-US" sz="1000" b="1" dirty="0" err="1">
+                <a:latin typeface="Arial"/>
+                <a:ea typeface="Calibri"/>
+                <a:cs typeface="Times New Roman"/>
+              </a:rPr>
+              <a:t>Html.EditorFor</a:t>
+            </a:r>
+            <a:r>
+              <a:rPr lang="en-US" sz="1000" b="1" dirty="0">
+                <a:latin typeface="Arial"/>
+                <a:ea typeface="Calibri"/>
+                <a:cs typeface="Times New Roman"/>
+              </a:rPr>
+              <a:t>()</a:t>
+            </a:r>
+            <a:r>
+              <a:rPr lang="en-US" sz="1000" dirty="0">
+                <a:latin typeface="Arial"/>
+                <a:ea typeface="Calibri"/>
+                <a:cs typeface="Times New Roman"/>
+              </a:rPr>
+              <a:t> helper renders the following HTML: </a:t>
+            </a:r>
+          </a:p>
+          <a:p>
+            <a:pPr>
+              <a:lnSpc>
+                <a:spcPct val="115000"/>
+              </a:lnSpc>
+              <a:spcAft>
+                <a:spcPts val="1000"/>
+              </a:spcAft>
+            </a:pPr>
+            <a:r>
+              <a:rPr lang="en-US" sz="1000" b="1" dirty="0">
+                <a:latin typeface="Arial"/>
+                <a:ea typeface="Calibri"/>
+                <a:cs typeface="Times New Roman"/>
+              </a:rPr>
+              <a:t>&lt;input name="</a:t>
+            </a:r>
+            <a:r>
+              <a:rPr lang="en-US" sz="1000" b="1" dirty="0" err="1">
+                <a:latin typeface="Arial"/>
+                <a:ea typeface="Calibri"/>
+                <a:cs typeface="Times New Roman"/>
+              </a:rPr>
+              <a:t>ProductID</a:t>
+            </a:r>
+            <a:r>
+              <a:rPr lang="en-US" sz="1000" b="1" dirty="0">
+                <a:latin typeface="Arial"/>
+                <a:ea typeface="Calibri"/>
+                <a:cs typeface="Times New Roman"/>
+              </a:rPr>
+              <a:t>" type="hidden" value="</a:t>
+            </a:r>
+            <a:r>
+              <a:rPr lang="en-US" sz="1000" b="1" i="1" dirty="0">
+                <a:latin typeface="Arial"/>
+                <a:ea typeface="Calibri"/>
+                <a:cs typeface="Times New Roman"/>
+              </a:rPr>
+              <a:t>id</a:t>
+            </a:r>
+            <a:r>
+              <a:rPr lang="en-US" sz="1000" b="1" dirty="0">
+                <a:latin typeface="Arial"/>
+                <a:ea typeface="Calibri"/>
+                <a:cs typeface="Times New Roman"/>
+              </a:rPr>
+              <a:t>"&gt;</a:t>
+            </a:r>
+            <a:endParaRPr lang="en-US" sz="1000" dirty="0">
               <a:latin typeface="Arial"/>
               <a:ea typeface="Calibri"/>
               <a:cs typeface="Times New Roman"/>
@@ -2089,7 +2264,7 @@
             <a:fld id="{30A63372-EC95-466A-A185-BFDB32169D16}" type="slidenum">
               <a:rPr lang="en-US" smtClean="0"/>
               <a:pPr/>
-              <a:t>17</a:t>
+              <a:t>16</a:t>
             </a:fld>
             <a:endParaRPr lang="en-US"/>
           </a:p>
@@ -2212,6 +2387,269 @@
     </p:spTree>
     <p:extLst>
       <p:ext uri="{BB962C8B-B14F-4D97-AF65-F5344CB8AC3E}">
+        <p14:creationId xmlns:p14="http://schemas.microsoft.com/office/powerpoint/2010/main" val="704674922"/>
+      </p:ext>
+    </p:extLst>
+  </p:cSld>
+  <p:clrMapOvr>
+    <a:masterClrMapping/>
+  </p:clrMapOvr>
+</p:notes>
+</file>
+
+<file path=ppt/notesSlides/notesSlide14.xml><?xml version="1.0" encoding="utf-8"?>
+<p:notes xmlns:a="http://schemas.openxmlformats.org/drawingml/2006/main" xmlns:r="http://schemas.openxmlformats.org/officeDocument/2006/relationships" xmlns:p="http://schemas.openxmlformats.org/presentationml/2006/main">
+  <p:cSld>
+    <p:spTree>
+      <p:nvGrpSpPr>
+        <p:cNvPr id="1" name=""/>
+        <p:cNvGrpSpPr/>
+        <p:nvPr/>
+      </p:nvGrpSpPr>
+      <p:grpSpPr>
+        <a:xfrm>
+          <a:off x="0" y="0"/>
+          <a:ext cx="0" cy="0"/>
+          <a:chOff x="0" y="0"/>
+          <a:chExt cx="0" cy="0"/>
+        </a:xfrm>
+      </p:grpSpPr>
+      <p:sp>
+        <p:nvSpPr>
+          <p:cNvPr id="2" name="Slide Image Placeholder 1"/>
+          <p:cNvSpPr>
+            <a:spLocks noGrp="1" noRot="1" noChangeAspect="1"/>
+          </p:cNvSpPr>
+          <p:nvPr>
+            <p:ph type="sldImg"/>
+          </p:nvPr>
+        </p:nvSpPr>
+        <p:spPr>
+          <a:xfrm>
+            <a:off x="3914775" y="73025"/>
+            <a:ext cx="3289300" cy="1851025"/>
+          </a:xfrm>
+        </p:spPr>
+      </p:sp>
+      <p:sp>
+        <p:nvSpPr>
+          <p:cNvPr id="3" name="Notes Placeholder 2"/>
+          <p:cNvSpPr>
+            <a:spLocks noGrp="1"/>
+          </p:cNvSpPr>
+          <p:nvPr>
+            <p:ph type="body" idx="1"/>
+          </p:nvPr>
+        </p:nvSpPr>
+        <p:spPr>
+          <a:xfrm>
+            <a:off x="310895" y="2093976"/>
+            <a:ext cx="6153911" cy="6604000"/>
+          </a:xfrm>
+        </p:spPr>
+        <p:txBody>
+          <a:bodyPr>
+            <a:noAutofit/>
+          </a:bodyPr>
+          <a:lstStyle/>
+          <a:p>
+            <a:pPr>
+              <a:lnSpc>
+                <a:spcPct val="115000"/>
+              </a:lnSpc>
+              <a:spcAft>
+                <a:spcPts val="1000"/>
+              </a:spcAft>
+            </a:pPr>
+            <a:r>
+              <a:rPr lang="en-US" sz="1000">
+                <a:latin typeface="Arial"/>
+                <a:ea typeface="Calibri"/>
+                <a:cs typeface="Segoe UI"/>
+              </a:rPr>
+              <a:t>Remind the students that they learned how to set validation requirements in model classes by using validation data annotations such as </a:t>
+            </a:r>
+            <a:r>
+              <a:rPr lang="en-US" sz="1000" b="1">
+                <a:latin typeface="Arial"/>
+                <a:ea typeface="Calibri"/>
+                <a:cs typeface="Times New Roman"/>
+              </a:rPr>
+              <a:t>[Required] </a:t>
+            </a:r>
+            <a:r>
+              <a:rPr lang="en-US" sz="1000">
+                <a:latin typeface="Arial"/>
+                <a:ea typeface="Calibri"/>
+                <a:cs typeface="Segoe UI"/>
+              </a:rPr>
+              <a:t>in Module 3. They have also learned how to check the validity of user data in a controller action by testing the </a:t>
+            </a:r>
+            <a:r>
+              <a:rPr lang="en-US" sz="1000" b="1">
+                <a:latin typeface="Arial"/>
+                <a:ea typeface="Calibri"/>
+                <a:cs typeface="Times New Roman"/>
+              </a:rPr>
+              <a:t>ModelState.IsValid</a:t>
+            </a:r>
+            <a:r>
+              <a:rPr lang="en-US" sz="1000">
+                <a:latin typeface="Arial"/>
+                <a:ea typeface="Calibri"/>
+                <a:cs typeface="Segoe UI"/>
+              </a:rPr>
+              <a:t> property in Module 4.</a:t>
+            </a:r>
+            <a:endParaRPr lang="en-US" sz="1000">
+              <a:latin typeface="Arial"/>
+              <a:ea typeface="Calibri"/>
+              <a:cs typeface="Times New Roman"/>
+            </a:endParaRPr>
+          </a:p>
+        </p:txBody>
+      </p:sp>
+      <p:sp>
+        <p:nvSpPr>
+          <p:cNvPr id="4" name="Slide Number Placeholder 3"/>
+          <p:cNvSpPr>
+            <a:spLocks noGrp="1"/>
+          </p:cNvSpPr>
+          <p:nvPr>
+            <p:ph type="sldNum" sz="quarter" idx="10"/>
+          </p:nvPr>
+        </p:nvSpPr>
+        <p:spPr/>
+        <p:txBody>
+          <a:bodyPr/>
+          <a:lstStyle/>
+          <a:p>
+            <a:fld id="{30A63372-EC95-466A-A185-BFDB32169D16}" type="slidenum">
+              <a:rPr lang="en-US" smtClean="0"/>
+              <a:pPr/>
+              <a:t>17</a:t>
+            </a:fld>
+            <a:endParaRPr lang="en-US"/>
+          </a:p>
+        </p:txBody>
+      </p:sp>
+      <p:sp>
+        <p:nvSpPr>
+          <p:cNvPr id="5" name="Rectangle 4"/>
+          <p:cNvSpPr/>
+          <p:nvPr/>
+        </p:nvSpPr>
+        <p:spPr>
+          <a:xfrm>
+            <a:off x="0" y="0"/>
+            <a:ext cx="3038475" cy="222250"/>
+          </a:xfrm>
+          <a:prstGeom prst="rect">
+            <a:avLst/>
+          </a:prstGeom>
+          <a:noFill/>
+          <a:ln>
+            <a:noFill/>
+          </a:ln>
+        </p:spPr>
+        <p:style>
+          <a:lnRef idx="2">
+            <a:schemeClr val="accent1">
+              <a:shade val="50000"/>
+            </a:schemeClr>
+          </a:lnRef>
+          <a:fillRef idx="1">
+            <a:schemeClr val="accent1"/>
+          </a:fillRef>
+          <a:effectRef idx="0">
+            <a:schemeClr val="accent1"/>
+          </a:effectRef>
+          <a:fontRef idx="minor">
+            <a:schemeClr val="lt1"/>
+          </a:fontRef>
+        </p:style>
+        <p:txBody>
+          <a:bodyPr rtlCol="0" anchor="ctr"/>
+          <a:lstStyle/>
+          <a:p>
+            <a:r>
+              <a:rPr lang="en-US" sz="1200" b="1" smtClean="0">
+                <a:solidFill>
+                  <a:srgbClr val="000000"/>
+                </a:solidFill>
+                <a:latin typeface="Arial"/>
+              </a:rPr>
+              <a:t>20486A</a:t>
+            </a:r>
+            <a:endParaRPr lang="en-US" sz="1200" b="1">
+              <a:solidFill>
+                <a:srgbClr val="000000"/>
+              </a:solidFill>
+              <a:latin typeface="Arial"/>
+            </a:endParaRPr>
+          </a:p>
+        </p:txBody>
+      </p:sp>
+      <p:sp>
+        <p:nvSpPr>
+          <p:cNvPr id="6" name="Rectangle 5"/>
+          <p:cNvSpPr/>
+          <p:nvPr/>
+        </p:nvSpPr>
+        <p:spPr>
+          <a:xfrm>
+            <a:off x="0" y="238125"/>
+            <a:ext cx="3038475" cy="347662"/>
+          </a:xfrm>
+          <a:prstGeom prst="rect">
+            <a:avLst/>
+          </a:prstGeom>
+          <a:noFill/>
+          <a:ln>
+            <a:noFill/>
+          </a:ln>
+        </p:spPr>
+        <p:style>
+          <a:lnRef idx="2">
+            <a:schemeClr val="accent1">
+              <a:shade val="50000"/>
+            </a:schemeClr>
+          </a:lnRef>
+          <a:fillRef idx="1">
+            <a:schemeClr val="accent1"/>
+          </a:fillRef>
+          <a:effectRef idx="0">
+            <a:schemeClr val="accent1"/>
+          </a:effectRef>
+          <a:fontRef idx="minor">
+            <a:schemeClr val="lt1"/>
+          </a:fontRef>
+        </p:style>
+        <p:txBody>
+          <a:bodyPr rtlCol="0" anchor="ctr"/>
+          <a:lstStyle/>
+          <a:p>
+            <a:r>
+              <a:rPr lang="en-US" sz="1200" b="1" smtClean="0">
+                <a:solidFill>
+                  <a:srgbClr val="336699"/>
+                </a:solidFill>
+                <a:latin typeface="Arial"/>
+              </a:rPr>
+              <a:t>05: Developing ASP.NET MVC 4 Views</a:t>
+            </a:r>
+            <a:endParaRPr lang="en-US" sz="1200" b="1">
+              <a:solidFill>
+                <a:srgbClr val="336699"/>
+              </a:solidFill>
+              <a:latin typeface="Arial"/>
+            </a:endParaRPr>
+          </a:p>
+        </p:txBody>
+      </p:sp>
+    </p:spTree>
+    <p:extLst>
+      <p:ext uri="{BB962C8B-B14F-4D97-AF65-F5344CB8AC3E}">
         <p14:creationId xmlns:p14="http://schemas.microsoft.com/office/powerpoint/2010/main" val="4145077346"/>
       </p:ext>
     </p:extLst>
@@ -2222,7 +2660,7 @@
 </p:notes>
 </file>
 
-<file path=ppt/notesSlides/notesSlide14.xml><?xml version="1.0" encoding="utf-8"?>
+<file path=ppt/notesSlides/notesSlide15.xml><?xml version="1.0" encoding="utf-8"?>
 <p:notes xmlns:a="http://schemas.openxmlformats.org/drawingml/2006/main" xmlns:r="http://schemas.openxmlformats.org/officeDocument/2006/relationships" xmlns:p="http://schemas.openxmlformats.org/presentationml/2006/main">
   <p:cSld>
     <p:spTree>
@@ -2623,7 +3061,7 @@
               </a:spcAft>
             </a:pPr>
             <a:r>
-              <a:rPr lang="en-US" sz="1000">
+              <a:rPr lang="en-US" sz="1000" dirty="0">
                 <a:latin typeface="Arial"/>
                 <a:ea typeface="Calibri"/>
                 <a:cs typeface="Segoe UI"/>
@@ -2631,7 +3069,7 @@
               <a:t>Point out to the students that Razor easily differentiates content from code. For example, even within a Razor code block, when you add an HTML element such as </a:t>
             </a:r>
             <a:r>
-              <a:rPr lang="en-US" sz="1000" b="1">
+              <a:rPr lang="en-US" sz="1000" b="1" dirty="0">
                 <a:latin typeface="Arial"/>
                 <a:ea typeface="Calibri"/>
                 <a:cs typeface="Times New Roman"/>
@@ -2639,7 +3077,7 @@
               <a:t>&lt;div&gt;</a:t>
             </a:r>
             <a:r>
-              <a:rPr lang="en-US" sz="1000">
+              <a:rPr lang="en-US" sz="1000" dirty="0">
                 <a:latin typeface="Arial"/>
                 <a:ea typeface="Calibri"/>
                 <a:cs typeface="Segoe UI"/>
@@ -2647,7 +3085,7 @@
               <a:t>, Razor interprets the text as content. You do not usually need to use the </a:t>
             </a:r>
             <a:r>
-              <a:rPr lang="en-US" sz="1000" b="1">
+              <a:rPr lang="en-US" sz="1000" b="1" dirty="0">
                 <a:latin typeface="Arial"/>
                 <a:ea typeface="Calibri"/>
                 <a:cs typeface="Times New Roman"/>
@@ -2655,14 +3093,14 @@
               <a:t>@:</a:t>
             </a:r>
             <a:r>
-              <a:rPr lang="en-US" sz="1000">
+              <a:rPr lang="en-US" sz="1000" dirty="0">
                 <a:latin typeface="Arial"/>
                 <a:ea typeface="Calibri"/>
                 <a:cs typeface="Segoe UI"/>
               </a:rPr>
               <a:t> delimiter to make this explicit.</a:t>
             </a:r>
-            <a:endParaRPr lang="en-US" sz="1000">
+            <a:endParaRPr lang="en-US" sz="1000" dirty="0">
               <a:latin typeface="Arial"/>
               <a:ea typeface="Calibri"/>
               <a:cs typeface="Times New Roman"/>
@@ -2678,14 +3116,14 @@
               </a:spcAft>
             </a:pPr>
             <a:r>
-              <a:rPr lang="en-US" sz="1000">
+              <a:rPr lang="en-US" sz="1000" dirty="0">
                 <a:latin typeface="Arial"/>
                 <a:ea typeface="Calibri"/>
                 <a:cs typeface="Segoe UI"/>
               </a:rPr>
               <a:t>Discuss the example code on the slide. Ensure that students understand the HTML that Razor will render.</a:t>
             </a:r>
-            <a:endParaRPr lang="en-US" sz="1000">
+            <a:endParaRPr lang="en-US" sz="1000" dirty="0">
               <a:latin typeface="Arial"/>
               <a:ea typeface="Calibri"/>
               <a:cs typeface="Times New Roman"/>
@@ -2701,7 +3139,7 @@
               </a:spcAft>
             </a:pPr>
             <a:r>
-              <a:rPr lang="en-US" sz="1000" b="1">
+              <a:rPr lang="en-US" sz="1000" b="1" dirty="0">
                 <a:latin typeface="Arial"/>
                 <a:ea typeface="Calibri"/>
                 <a:cs typeface="Times New Roman"/>
@@ -2709,7 +3147,7 @@
               <a:t>Question: </a:t>
             </a:r>
             <a:r>
-              <a:rPr lang="en-US" sz="1000">
+              <a:rPr lang="en-US" sz="1000" dirty="0">
                 <a:latin typeface="Arial"/>
                 <a:ea typeface="Calibri"/>
                 <a:cs typeface="Times New Roman"/>
@@ -2727,7 +3165,7 @@
               </a:spcAft>
             </a:pPr>
             <a:r>
-              <a:rPr lang="en-US" sz="1000" b="1">
+              <a:rPr lang="en-US" sz="1000" b="1" dirty="0">
                 <a:latin typeface="Arial"/>
                 <a:ea typeface="Calibri"/>
                 <a:cs typeface="Times New Roman"/>
@@ -2735,7 +3173,7 @@
               <a:t>Answer: </a:t>
             </a:r>
             <a:r>
-              <a:rPr lang="en-US" sz="1000">
+              <a:rPr lang="en-US" sz="1000" dirty="0">
                 <a:latin typeface="Arial"/>
                 <a:ea typeface="Calibri"/>
                 <a:cs typeface="Times New Roman"/>
@@ -2743,7 +3181,7 @@
               <a:t>Declare the description as a Razor comment by enclosing it in </a:t>
             </a:r>
             <a:r>
-              <a:rPr lang="en-US" sz="1000" b="1">
+              <a:rPr lang="en-US" sz="1000" b="1" dirty="0">
                 <a:latin typeface="Arial"/>
                 <a:ea typeface="Calibri"/>
                 <a:cs typeface="Times New Roman"/>
@@ -2751,7 +3189,7 @@
               <a:t>@* *@ </a:t>
             </a:r>
             <a:r>
-              <a:rPr lang="en-US" sz="1000">
+              <a:rPr lang="en-US" sz="1000" dirty="0">
                 <a:latin typeface="Arial"/>
                 <a:ea typeface="Calibri"/>
                 <a:cs typeface="Times New Roman"/>
@@ -2977,7 +3415,7 @@
               </a:spcAft>
             </a:pPr>
             <a:r>
-              <a:rPr lang="en-US" sz="1000">
+              <a:rPr lang="en-US" sz="1000" dirty="0">
                 <a:latin typeface="Arial"/>
                 <a:ea typeface="Calibri"/>
                 <a:cs typeface="Times New Roman"/>
@@ -2995,7 +3433,7 @@
               </a:spcAft>
             </a:pPr>
             <a:r>
-              <a:rPr lang="en-US" sz="1000" b="1">
+              <a:rPr lang="en-US" sz="1000" b="1" dirty="0">
                 <a:latin typeface="Arial"/>
                 <a:ea typeface="Calibri"/>
                 <a:cs typeface="Times New Roman"/>
@@ -3003,7 +3441,7 @@
               <a:t>Question: </a:t>
             </a:r>
             <a:r>
-              <a:rPr lang="en-US" sz="1000">
+              <a:rPr lang="en-US" sz="1000" dirty="0">
                 <a:latin typeface="Arial"/>
                 <a:ea typeface="Calibri"/>
                 <a:cs typeface="Times New Roman"/>
@@ -3011,7 +3449,7 @@
               <a:t>You want to write a view that displays ten objects of the </a:t>
             </a:r>
             <a:r>
-              <a:rPr lang="en-US" sz="1000" b="1">
+              <a:rPr lang="en-US" sz="1000" b="1" dirty="0">
                 <a:latin typeface="Arial"/>
                 <a:ea typeface="Calibri"/>
                 <a:cs typeface="Times New Roman"/>
@@ -3019,7 +3457,7 @@
               <a:t>Photo</a:t>
             </a:r>
             <a:r>
-              <a:rPr lang="en-US" sz="1000">
+              <a:rPr lang="en-US" sz="1000" dirty="0">
                 <a:latin typeface="Arial"/>
                 <a:ea typeface="Calibri"/>
                 <a:cs typeface="Times New Roman"/>
@@ -3037,7 +3475,7 @@
               </a:spcAft>
             </a:pPr>
             <a:r>
-              <a:rPr lang="en-US" sz="1000" b="1">
+              <a:rPr lang="en-US" sz="1000" b="1" dirty="0">
                 <a:latin typeface="Arial"/>
                 <a:ea typeface="Calibri"/>
                 <a:cs typeface="Times New Roman"/>
@@ -3045,7 +3483,7 @@
               <a:t>Answer: </a:t>
             </a:r>
             <a:r>
-              <a:rPr lang="en-US" sz="1000">
+              <a:rPr lang="en-US" sz="1000" dirty="0">
                 <a:latin typeface="Arial"/>
                 <a:ea typeface="Calibri"/>
                 <a:cs typeface="Times New Roman"/>
@@ -3053,30 +3491,46 @@
               <a:t>Use a declaration in the following form: </a:t>
             </a:r>
             <a:r>
-              <a:rPr lang="en-US" sz="1000" b="1">
+              <a:rPr lang="en-US" sz="1000" b="1" dirty="0">
                 <a:latin typeface="Arial"/>
                 <a:ea typeface="Calibri"/>
                 <a:cs typeface="Times New Roman"/>
               </a:rPr>
-              <a:t>@model IEnumerable&lt;</a:t>
-            </a:r>
-            <a:r>
-              <a:rPr lang="en-US" sz="1000" b="1" i="1">
+              <a:t>@model </a:t>
+            </a:r>
+            <a:r>
+              <a:rPr lang="en-US" sz="1000" b="1" dirty="0" err="1">
                 <a:latin typeface="Arial"/>
                 <a:ea typeface="Calibri"/>
                 <a:cs typeface="Times New Roman"/>
               </a:rPr>
-              <a:t>projectname</a:t>
-            </a:r>
-            <a:r>
-              <a:rPr lang="en-US" sz="1000" b="1">
+              <a:t>IEnumerable</a:t>
+            </a:r>
+            <a:r>
+              <a:rPr lang="en-US" sz="1000" b="1" dirty="0">
                 <a:latin typeface="Arial"/>
                 <a:ea typeface="Calibri"/>
                 <a:cs typeface="Times New Roman"/>
               </a:rPr>
+              <a:t>&lt;</a:t>
+            </a:r>
+            <a:r>
+              <a:rPr lang="en-US" sz="1000" b="1" i="1" dirty="0" err="1">
+                <a:latin typeface="Arial"/>
+                <a:ea typeface="Calibri"/>
+                <a:cs typeface="Times New Roman"/>
+              </a:rPr>
+              <a:t>projectname</a:t>
+            </a:r>
+            <a:r>
+              <a:rPr lang="en-US" sz="1000" b="1" dirty="0">
+                <a:latin typeface="Arial"/>
+                <a:ea typeface="Calibri"/>
+                <a:cs typeface="Times New Roman"/>
+              </a:rPr>
               <a:t>/Models/Photo&gt;</a:t>
             </a:r>
-            <a:endParaRPr lang="en-US" sz="1000">
+            <a:endParaRPr lang="en-US" sz="1000" dirty="0">
               <a:latin typeface="Arial"/>
               <a:ea typeface="Calibri"/>
               <a:cs typeface="Times New Roman"/>
@@ -3254,7 +3708,7 @@
       </p:grpSpPr>
       <p:sp>
         <p:nvSpPr>
-          <p:cNvPr id="2" name="Slide Image Placeholder 1"/>
+          <p:cNvPr id="2" name="Folienbildplatzhalter 1"/>
           <p:cNvSpPr>
             <a:spLocks noGrp="1" noRot="1" noChangeAspect="1"/>
           </p:cNvSpPr>
@@ -3262,16 +3716,11 @@
             <p:ph type="sldImg"/>
           </p:nvPr>
         </p:nvSpPr>
-        <p:spPr>
-          <a:xfrm>
-            <a:off x="3914775" y="73025"/>
-            <a:ext cx="3289300" cy="1851025"/>
-          </a:xfrm>
-        </p:spPr>
+        <p:spPr/>
       </p:sp>
       <p:sp>
         <p:nvSpPr>
-          <p:cNvPr id="3" name="Notes Placeholder 2"/>
+          <p:cNvPr id="3" name="Notizenplatzhalter 2"/>
           <p:cNvSpPr>
             <a:spLocks noGrp="1"/>
           </p:cNvSpPr>
@@ -3279,122 +3728,52 @@
             <p:ph type="body" idx="1"/>
           </p:nvPr>
         </p:nvSpPr>
-        <p:spPr>
-          <a:xfrm>
-            <a:off x="310895" y="2093975"/>
-            <a:ext cx="6153911" cy="6604000"/>
-          </a:xfrm>
-        </p:spPr>
+        <p:spPr/>
         <p:txBody>
-          <a:bodyPr>
-            <a:noAutofit/>
-          </a:bodyPr>
+          <a:bodyPr/>
           <a:lstStyle/>
           <a:p>
-            <a:pPr>
-              <a:lnSpc>
-                <a:spcPct val="115000"/>
-              </a:lnSpc>
-              <a:spcAft>
-                <a:spcPts val="1000"/>
-              </a:spcAft>
-            </a:pPr>
-            <a:r>
-              <a:rPr lang="en-US" sz="1000">
-                <a:latin typeface="Arial"/>
-                <a:ea typeface="Calibri"/>
-                <a:cs typeface="Times New Roman"/>
-              </a:rPr>
-              <a:t>Emphasize to the students that Razor is very sophisticated and it rarely misinterprets content and server-side code. Therefore, they will rarely use the </a:t>
-            </a:r>
-            <a:r>
-              <a:rPr lang="en-US" sz="1000" b="1">
-                <a:latin typeface="Arial"/>
-                <a:ea typeface="Calibri"/>
-                <a:cs typeface="Times New Roman"/>
-              </a:rPr>
-              <a:t>@:</a:t>
-            </a:r>
-            <a:r>
-              <a:rPr lang="en-US" sz="1000">
-                <a:latin typeface="Arial"/>
-                <a:ea typeface="Calibri"/>
-                <a:cs typeface="Times New Roman"/>
-              </a:rPr>
-              <a:t> and </a:t>
-            </a:r>
-            <a:r>
-              <a:rPr lang="en-US" sz="1000" b="1">
-                <a:latin typeface="Arial"/>
-                <a:ea typeface="Calibri"/>
-                <a:cs typeface="Times New Roman"/>
-              </a:rPr>
-              <a:t>&lt;text&gt;</a:t>
-            </a:r>
-            <a:r>
-              <a:rPr lang="en-US" sz="1000">
-                <a:latin typeface="Arial"/>
-                <a:ea typeface="Calibri"/>
-                <a:cs typeface="Times New Roman"/>
-              </a:rPr>
-              <a:t> delimiters.</a:t>
-            </a:r>
-          </a:p>
-          <a:p>
-            <a:pPr>
-              <a:lnSpc>
-                <a:spcPct val="115000"/>
-              </a:lnSpc>
-              <a:spcAft>
-                <a:spcPts val="1000"/>
-              </a:spcAft>
-            </a:pPr>
-            <a:r>
-              <a:rPr lang="en-US" sz="1000">
-                <a:latin typeface="Arial"/>
-                <a:ea typeface="Calibri"/>
-                <a:cs typeface="Times New Roman"/>
-              </a:rPr>
-              <a:t>Be very clear about the security implications of using </a:t>
-            </a:r>
-            <a:r>
-              <a:rPr lang="en-US" sz="1000" b="1">
-                <a:latin typeface="Arial"/>
-                <a:ea typeface="Calibri"/>
-                <a:cs typeface="Times New Roman"/>
-              </a:rPr>
-              <a:t>Html.Raw()</a:t>
-            </a:r>
-            <a:r>
-              <a:rPr lang="en-US" sz="1000">
-                <a:latin typeface="Arial"/>
-                <a:ea typeface="Calibri"/>
-                <a:cs typeface="Times New Roman"/>
-              </a:rPr>
-              <a:t> to disable HTML encoding. Emphasize that malicious users regularly test sites for weaknesses. If your use of </a:t>
-            </a:r>
-            <a:r>
-              <a:rPr lang="en-US" sz="1000" b="1">
-                <a:latin typeface="Arial"/>
-                <a:ea typeface="Calibri"/>
-                <a:cs typeface="Times New Roman"/>
-              </a:rPr>
-              <a:t>Html.Raw()</a:t>
-            </a:r>
-            <a:r>
-              <a:rPr lang="en-US" sz="1000">
-                <a:latin typeface="Arial"/>
-                <a:ea typeface="Calibri"/>
-                <a:cs typeface="Times New Roman"/>
-              </a:rPr>
-              <a:t> does enable script injection, a malicious user is very likely to notice and exploit the weakness.</a:t>
-            </a:r>
+            <a:r>
+              <a:rPr lang="de-DE" dirty="0" err="1" smtClean="0"/>
+              <a:t>ViewBag</a:t>
+            </a:r>
+            <a:r>
+              <a:rPr lang="de-DE" dirty="0" smtClean="0"/>
+              <a:t>:</a:t>
+            </a:r>
+            <a:r>
+              <a:rPr lang="de-DE" baseline="0" dirty="0" smtClean="0"/>
+              <a:t> </a:t>
+            </a:r>
+          </a:p>
+          <a:p>
+            <a:r>
+              <a:rPr lang="de-DE" baseline="0" dirty="0" smtClean="0"/>
+              <a:t>-Definieren von Eigenschaften für eine dynamische Verwendung. Bspw. der in einer Liste angezeigten Elemente ausgeben, nach Weiterleitung auf andere Seite oder Controller gehen </a:t>
+            </a:r>
+            <a:r>
+              <a:rPr lang="de-DE" baseline="0" dirty="0" err="1" smtClean="0"/>
+              <a:t>daten</a:t>
+            </a:r>
+            <a:r>
+              <a:rPr lang="de-DE" baseline="0" dirty="0" smtClean="0"/>
+              <a:t> verloren. </a:t>
+            </a:r>
+          </a:p>
+          <a:p>
+            <a:r>
+              <a:rPr lang="de-DE" baseline="0" dirty="0" smtClean="0"/>
+              <a:t>- NUR View&lt;-Controller nicht andere Richtung</a:t>
+            </a:r>
+          </a:p>
+          <a:p>
+            <a:endParaRPr lang="de-DE" dirty="0"/>
           </a:p>
         </p:txBody>
       </p:sp>
       <p:sp>
         <p:nvSpPr>
-          <p:cNvPr id="4" name="Slide Number Placeholder 3"/>
+          <p:cNvPr id="4" name="Foliennummernplatzhalter 3"/>
           <p:cNvSpPr>
             <a:spLocks noGrp="1"/>
           </p:cNvSpPr>
@@ -3407,133 +3786,24 @@
           <a:bodyPr/>
           <a:lstStyle/>
           <a:p>
-            <a:fld id="{30A63372-EC95-466A-A185-BFDB32169D16}" type="slidenum">
-              <a:rPr lang="en-US" smtClean="0"/>
-              <a:pPr/>
-              <a:t>9</a:t>
+            <a:pPr>
+              <a:defRPr/>
+            </a:pPr>
+            <a:fld id="{9FD97EF8-451C-4BD4-A577-78C919C344DB}" type="slidenum">
+              <a:rPr lang="sv-SE" smtClean="0"/>
+              <a:pPr>
+                <a:defRPr/>
+              </a:pPr>
+              <a:t>8</a:t>
             </a:fld>
-            <a:endParaRPr lang="en-US"/>
-          </a:p>
-        </p:txBody>
-      </p:sp>
-      <p:sp>
-        <p:nvSpPr>
-          <p:cNvPr id="5" name="Rectangle 4"/>
-          <p:cNvSpPr/>
-          <p:nvPr/>
-        </p:nvSpPr>
-        <p:spPr>
-          <a:xfrm>
-            <a:off x="0" y="0"/>
-            <a:ext cx="3038475" cy="222250"/>
-          </a:xfrm>
-          <a:prstGeom prst="rect">
-            <a:avLst/>
-          </a:prstGeom>
-          <a:noFill/>
-          <a:ln>
-            <a:noFill/>
-          </a:ln>
-        </p:spPr>
-        <p:style>
-          <a:lnRef idx="2">
-            <a:schemeClr val="accent1">
-              <a:shade val="50000"/>
-            </a:schemeClr>
-          </a:lnRef>
-          <a:fillRef idx="1">
-            <a:schemeClr val="accent1"/>
-          </a:fillRef>
-          <a:effectRef idx="0">
-            <a:schemeClr val="accent1"/>
-          </a:effectRef>
-          <a:fontRef idx="minor">
-            <a:schemeClr val="lt1"/>
-          </a:fontRef>
-        </p:style>
-        <p:txBody>
-          <a:bodyPr rtlCol="0" anchor="ctr"/>
-          <a:lstStyle/>
-          <a:p>
-            <a:r>
-              <a:rPr lang="en-US" sz="1200" b="1" smtClean="0">
-                <a:solidFill>
-                  <a:srgbClr val="000000"/>
-                </a:solidFill>
-                <a:latin typeface="Arial"/>
-              </a:rPr>
-              <a:t>20486A</a:t>
-            </a:r>
-            <a:endParaRPr lang="en-US" sz="1200" b="1">
-              <a:solidFill>
-                <a:srgbClr val="000000"/>
-              </a:solidFill>
-              <a:latin typeface="Arial"/>
-            </a:endParaRPr>
-          </a:p>
-        </p:txBody>
-      </p:sp>
-      <p:sp>
-        <p:nvSpPr>
-          <p:cNvPr id="6" name="Rectangle 5"/>
-          <p:cNvSpPr/>
-          <p:nvPr/>
-        </p:nvSpPr>
-        <p:spPr>
-          <a:xfrm>
-            <a:off x="0" y="238125"/>
-            <a:ext cx="3038475" cy="347662"/>
-          </a:xfrm>
-          <a:prstGeom prst="rect">
-            <a:avLst/>
-          </a:prstGeom>
-          <a:noFill/>
-          <a:ln>
-            <a:noFill/>
-          </a:ln>
-        </p:spPr>
-        <p:style>
-          <a:lnRef idx="2">
-            <a:schemeClr val="accent1">
-              <a:shade val="50000"/>
-            </a:schemeClr>
-          </a:lnRef>
-          <a:fillRef idx="1">
-            <a:schemeClr val="accent1"/>
-          </a:fillRef>
-          <a:effectRef idx="0">
-            <a:schemeClr val="accent1"/>
-          </a:effectRef>
-          <a:fontRef idx="minor">
-            <a:schemeClr val="lt1"/>
-          </a:fontRef>
-        </p:style>
-        <p:txBody>
-          <a:bodyPr rtlCol="0" anchor="ctr"/>
-          <a:lstStyle/>
-          <a:p>
-            <a:r>
-              <a:rPr lang="en-US" sz="1200" b="1" smtClean="0">
-                <a:solidFill>
-                  <a:srgbClr val="336699"/>
-                </a:solidFill>
-                <a:latin typeface="Arial"/>
-              </a:rPr>
-              <a:t>05: Developing ASP.NET MVC 4 Views</a:t>
-            </a:r>
-            <a:endParaRPr lang="en-US" sz="1200" b="1">
-              <a:solidFill>
-                <a:srgbClr val="336699"/>
-              </a:solidFill>
-              <a:latin typeface="Arial"/>
-            </a:endParaRPr>
+            <a:endParaRPr lang="sv-SE"/>
           </a:p>
         </p:txBody>
       </p:sp>
     </p:spTree>
     <p:extLst>
       <p:ext uri="{BB962C8B-B14F-4D97-AF65-F5344CB8AC3E}">
-        <p14:creationId xmlns:p14="http://schemas.microsoft.com/office/powerpoint/2010/main" val="2163341929"/>
+        <p14:creationId xmlns:p14="http://schemas.microsoft.com/office/powerpoint/2010/main" val="2565786348"/>
       </p:ext>
     </p:extLst>
   </p:cSld>
@@ -3613,7 +3883,39 @@
                 <a:ea typeface="Calibri"/>
                 <a:cs typeface="Times New Roman"/>
               </a:rPr>
-              <a:t>The display and edit data annotations in the slide are enclosed in square brackets. Highlight these annotations to the students and ensure that they can distinguish them from properties and other code.</a:t>
+              <a:t>Emphasize to the students that Razor is very sophisticated and it rarely misinterprets content and server-side code. Therefore, they will rarely use the </a:t>
+            </a:r>
+            <a:r>
+              <a:rPr lang="en-US" sz="1000" b="1">
+                <a:latin typeface="Arial"/>
+                <a:ea typeface="Calibri"/>
+                <a:cs typeface="Times New Roman"/>
+              </a:rPr>
+              <a:t>@:</a:t>
+            </a:r>
+            <a:r>
+              <a:rPr lang="en-US" sz="1000">
+                <a:latin typeface="Arial"/>
+                <a:ea typeface="Calibri"/>
+                <a:cs typeface="Times New Roman"/>
+              </a:rPr>
+              <a:t> and </a:t>
+            </a:r>
+            <a:r>
+              <a:rPr lang="en-US" sz="1000" b="1">
+                <a:latin typeface="Arial"/>
+                <a:ea typeface="Calibri"/>
+                <a:cs typeface="Times New Roman"/>
+              </a:rPr>
+              <a:t>&lt;text&gt;</a:t>
+            </a:r>
+            <a:r>
+              <a:rPr lang="en-US" sz="1000">
+                <a:latin typeface="Arial"/>
+                <a:ea typeface="Calibri"/>
+                <a:cs typeface="Times New Roman"/>
+              </a:rPr>
+              <a:t> delimiters.</a:t>
             </a:r>
           </a:p>
           <a:p>
@@ -3627,37 +3929,19 @@
             </a:pPr>
             <a:r>
               <a:rPr lang="en-US" sz="1000">
-                <a:solidFill>
-                  <a:srgbClr val="000000"/>
-                </a:solidFill>
                 <a:latin typeface="Arial"/>
                 <a:ea typeface="Calibri"/>
                 <a:cs typeface="Times New Roman"/>
               </a:rPr>
-              <a:t>You will learn about other data annotations, such as validation annotations, later in the course. </a:t>
-            </a:r>
-            <a:endParaRPr lang="en-US" sz="1000">
-              <a:latin typeface="Arial"/>
-              <a:ea typeface="Calibri"/>
-              <a:cs typeface="Times New Roman"/>
-            </a:endParaRPr>
-          </a:p>
-          <a:p>
-            <a:pPr>
-              <a:lnSpc>
-                <a:spcPct val="115000"/>
-              </a:lnSpc>
-              <a:spcAft>
-                <a:spcPts val="1000"/>
-              </a:spcAft>
-            </a:pPr>
+              <a:t>Be very clear about the security implications of using </a:t>
+            </a:r>
             <a:r>
               <a:rPr lang="en-US" sz="1000" b="1">
                 <a:latin typeface="Arial"/>
                 <a:ea typeface="Calibri"/>
                 <a:cs typeface="Times New Roman"/>
               </a:rPr>
-              <a:t>Question</a:t>
+              <a:t>Html.Raw()</a:t>
             </a:r>
             <a:r>
               <a:rPr lang="en-US" sz="1000">
@@ -3665,42 +3949,24 @@
                 <a:ea typeface="Calibri"/>
                 <a:cs typeface="Times New Roman"/>
               </a:rPr>
-              <a:t>: In the code on the slide, how can you recognize the display and edit annotations and distinguish them from property code?</a:t>
-            </a:r>
-          </a:p>
-          <a:p>
-            <a:pPr>
-              <a:lnSpc>
-                <a:spcPct val="115000"/>
-              </a:lnSpc>
-              <a:spcAft>
-                <a:spcPts val="1000"/>
-              </a:spcAft>
-            </a:pPr>
+              <a:t> to disable HTML encoding. Emphasize that malicious users regularly test sites for weaknesses. If your use of </a:t>
+            </a:r>
             <a:r>
               <a:rPr lang="en-US" sz="1000" b="1">
                 <a:latin typeface="Arial"/>
                 <a:ea typeface="Calibri"/>
                 <a:cs typeface="Times New Roman"/>
               </a:rPr>
-              <a:t>Answer</a:t>
+              <a:t>Html.Raw()</a:t>
             </a:r>
             <a:r>
               <a:rPr lang="en-US" sz="1000">
-                <a:solidFill>
-                  <a:srgbClr val="000000"/>
-                </a:solidFill>
                 <a:latin typeface="Arial"/>
                 <a:ea typeface="Calibri"/>
                 <a:cs typeface="Times New Roman"/>
               </a:rPr>
-              <a:t>: The display and edit annotations are enclosed in square brackets.</a:t>
-            </a:r>
-            <a:endParaRPr lang="en-US" sz="1000">
-              <a:latin typeface="Arial"/>
-              <a:ea typeface="Calibri"/>
-              <a:cs typeface="Times New Roman"/>
-            </a:endParaRPr>
+              <a:t> does enable script injection, a malicious user is very likely to notice and exploit the weakness.</a:t>
+            </a:r>
           </a:p>
         </p:txBody>
       </p:sp>
@@ -3719,10 +3985,10 @@
           <a:bodyPr/>
           <a:lstStyle/>
           <a:p>
-            <a:fld id="{4C48756B-420C-47B5-B1D1-22EC26BE551A}" type="slidenum">
+            <a:fld id="{30A63372-EC95-466A-A185-BFDB32169D16}" type="slidenum">
               <a:rPr lang="en-US" smtClean="0"/>
               <a:pPr/>
-              <a:t>10</a:t>
+              <a:t>9</a:t>
             </a:fld>
             <a:endParaRPr lang="en-US"/>
           </a:p>
@@ -3831,7 +4097,7 @@
                 </a:solidFill>
                 <a:latin typeface="Arial"/>
               </a:rPr>
-              <a:t>03: Developing ASP.NET MVC 4 Models</a:t>
+              <a:t>05: Developing ASP.NET MVC 4 Views</a:t>
             </a:r>
             <a:endParaRPr lang="en-US" sz="1200" b="1">
               <a:solidFill>
@@ -3845,7 +4111,7 @@
     </p:spTree>
     <p:extLst>
       <p:ext uri="{BB962C8B-B14F-4D97-AF65-F5344CB8AC3E}">
-        <p14:creationId xmlns:p14="http://schemas.microsoft.com/office/powerpoint/2010/main" val="1971930489"/>
+        <p14:creationId xmlns:p14="http://schemas.microsoft.com/office/powerpoint/2010/main" val="2163341929"/>
       </p:ext>
     </p:extLst>
   </p:cSld>
@@ -3901,7 +4167,7 @@
         </p:nvSpPr>
         <p:spPr>
           <a:xfrm>
-            <a:off x="310895" y="2093976"/>
+            <a:off x="310895" y="2093975"/>
             <a:ext cx="6153911" cy="6604000"/>
           </a:xfrm>
         </p:spPr>
@@ -3920,22 +4186,35 @@
               </a:spcAft>
             </a:pPr>
             <a:r>
-              <a:rPr lang="en-US" sz="1000" b="1">
+              <a:rPr lang="en-US" sz="1000" dirty="0">
                 <a:latin typeface="Arial"/>
                 <a:ea typeface="Calibri"/>
                 <a:cs typeface="Times New Roman"/>
               </a:rPr>
-              <a:t>Question</a:t>
-            </a:r>
-            <a:r>
-              <a:rPr lang="en-US" sz="1000">
+              <a:t>The display and edit data annotations in the slide are enclosed in square brackets. Highlight these annotations to the students and ensure that they can distinguish them from properties and other code.</a:t>
+            </a:r>
+          </a:p>
+          <a:p>
+            <a:pPr>
+              <a:lnSpc>
+                <a:spcPct val="115000"/>
+              </a:lnSpc>
+              <a:spcAft>
+                <a:spcPts val="1000"/>
+              </a:spcAft>
+            </a:pPr>
+            <a:r>
+              <a:rPr lang="en-US" sz="1000" dirty="0">
+                <a:solidFill>
+                  <a:srgbClr val="000000"/>
+                </a:solidFill>
                 <a:latin typeface="Arial"/>
                 <a:ea typeface="Calibri"/>
-                <a:cs typeface="Segoe UI"/>
-              </a:rPr>
-              <a:t>: You want to make sure that users enter a password that is longer than 6 characters. How could you do this by using a validation data annotation?</a:t>
-            </a:r>
-            <a:endParaRPr lang="en-US" sz="1000">
+                <a:cs typeface="Times New Roman"/>
+              </a:rPr>
+              <a:t>You will learn about other data annotations, such as validation annotations, later in the course. </a:t>
+            </a:r>
+            <a:endParaRPr lang="en-US" sz="1000" dirty="0">
               <a:latin typeface="Arial"/>
               <a:ea typeface="Calibri"/>
               <a:cs typeface="Times New Roman"/>
@@ -3951,38 +4230,51 @@
               </a:spcAft>
             </a:pPr>
             <a:r>
-              <a:rPr lang="en-US" sz="1000" b="1">
+              <a:rPr lang="en-US" sz="1000" b="1" dirty="0">
                 <a:latin typeface="Arial"/>
                 <a:ea typeface="Calibri"/>
                 <a:cs typeface="Times New Roman"/>
               </a:rPr>
-              <a:t>Answer</a:t>
-            </a:r>
-            <a:r>
-              <a:rPr lang="en-US" sz="1000">
-                <a:latin typeface="Arial"/>
-                <a:ea typeface="Calibri"/>
-                <a:cs typeface="Segoe UI"/>
-              </a:rPr>
-              <a:t>: You can use the </a:t>
-            </a:r>
-            <a:r>
-              <a:rPr lang="en-US" sz="1000" b="1">
+              <a:t>Question</a:t>
+            </a:r>
+            <a:r>
+              <a:rPr lang="en-US" sz="1000" dirty="0">
                 <a:latin typeface="Arial"/>
                 <a:ea typeface="Calibri"/>
                 <a:cs typeface="Times New Roman"/>
               </a:rPr>
-              <a:t>StringLength</a:t>
-            </a:r>
-            <a:r>
-              <a:rPr lang="en-US" sz="1000">
+              <a:t>: In the code on the slide, how can you recognize the display and edit annotations and distinguish them from property code?</a:t>
+            </a:r>
+          </a:p>
+          <a:p>
+            <a:pPr>
+              <a:lnSpc>
+                <a:spcPct val="115000"/>
+              </a:lnSpc>
+              <a:spcAft>
+                <a:spcPts val="1000"/>
+              </a:spcAft>
+            </a:pPr>
+            <a:r>
+              <a:rPr lang="en-US" sz="1000" b="1" dirty="0">
                 <a:latin typeface="Arial"/>
                 <a:ea typeface="Calibri"/>
-                <a:cs typeface="Segoe UI"/>
-              </a:rPr>
-              <a:t> validation data annotation to specify this minimum length.</a:t>
-            </a:r>
-            <a:endParaRPr lang="en-US" sz="1000">
+                <a:cs typeface="Times New Roman"/>
+              </a:rPr>
+              <a:t>Answer</a:t>
+            </a:r>
+            <a:r>
+              <a:rPr lang="en-US" sz="1000" dirty="0">
+                <a:solidFill>
+                  <a:srgbClr val="000000"/>
+                </a:solidFill>
+                <a:latin typeface="Arial"/>
+                <a:ea typeface="Calibri"/>
+                <a:cs typeface="Times New Roman"/>
+              </a:rPr>
+              <a:t>: The display and edit annotations are enclosed in square brackets.</a:t>
+            </a:r>
+            <a:endParaRPr lang="en-US" sz="1000" dirty="0">
               <a:latin typeface="Arial"/>
               <a:ea typeface="Calibri"/>
               <a:cs typeface="Times New Roman"/>
@@ -4008,7 +4300,7 @@
             <a:fld id="{4C48756B-420C-47B5-B1D1-22EC26BE551A}" type="slidenum">
               <a:rPr lang="en-US" smtClean="0"/>
               <a:pPr/>
-              <a:t>11</a:t>
+              <a:t>10</a:t>
             </a:fld>
             <a:endParaRPr lang="en-US"/>
           </a:p>
@@ -4131,7 +4423,7 @@
     </p:spTree>
     <p:extLst>
       <p:ext uri="{BB962C8B-B14F-4D97-AF65-F5344CB8AC3E}">
-        <p14:creationId xmlns:p14="http://schemas.microsoft.com/office/powerpoint/2010/main" val="3049271019"/>
+        <p14:creationId xmlns:p14="http://schemas.microsoft.com/office/powerpoint/2010/main" val="1971930489"/>
       </p:ext>
     </p:extLst>
   </p:cSld>
@@ -4187,7 +4479,7 @@
         </p:nvSpPr>
         <p:spPr>
           <a:xfrm>
-            <a:off x="310895" y="2093975"/>
+            <a:off x="310895" y="2093976"/>
             <a:ext cx="6153911" cy="6604000"/>
           </a:xfrm>
         </p:spPr>
@@ -4206,13 +4498,73 @@
               </a:spcAft>
             </a:pPr>
             <a:r>
+              <a:rPr lang="en-US" sz="1000" b="1">
+                <a:latin typeface="Arial"/>
+                <a:ea typeface="Calibri"/>
+                <a:cs typeface="Times New Roman"/>
+              </a:rPr>
+              <a:t>Question</a:t>
+            </a:r>
+            <a:r>
               <a:rPr lang="en-US" sz="1000">
                 <a:latin typeface="Arial"/>
                 <a:ea typeface="Calibri"/>
+                <a:cs typeface="Segoe UI"/>
+              </a:rPr>
+              <a:t>: You want to make sure that users enter a password that is longer than 6 characters. How could you do this by using a validation data annotation?</a:t>
+            </a:r>
+            <a:endParaRPr lang="en-US" sz="1000">
+              <a:latin typeface="Arial"/>
+              <a:ea typeface="Calibri"/>
+              <a:cs typeface="Times New Roman"/>
+            </a:endParaRPr>
+          </a:p>
+          <a:p>
+            <a:pPr>
+              <a:lnSpc>
+                <a:spcPct val="115000"/>
+              </a:lnSpc>
+              <a:spcAft>
+                <a:spcPts val="1000"/>
+              </a:spcAft>
+            </a:pPr>
+            <a:r>
+              <a:rPr lang="en-US" sz="1000" b="1">
+                <a:latin typeface="Arial"/>
+                <a:ea typeface="Calibri"/>
                 <a:cs typeface="Times New Roman"/>
               </a:rPr>
-              <a:t> If you have students who are familiar with Web Forms, you might like to contrast MVC HTML helpers with Web Forms server controls. Helpers perform an analogous role in MVC to the role that server controls play in Web Forms. However, helpers are simpler and lighter-weight. They do not render large blocks of HTML and JavaScript code or ViewState data. Also, they do not support event handlers.</a:t>
-            </a:r>
+              <a:t>Answer</a:t>
+            </a:r>
+            <a:r>
+              <a:rPr lang="en-US" sz="1000">
+                <a:latin typeface="Arial"/>
+                <a:ea typeface="Calibri"/>
+                <a:cs typeface="Segoe UI"/>
+              </a:rPr>
+              <a:t>: You can use the </a:t>
+            </a:r>
+            <a:r>
+              <a:rPr lang="en-US" sz="1000" b="1">
+                <a:latin typeface="Arial"/>
+                <a:ea typeface="Calibri"/>
+                <a:cs typeface="Times New Roman"/>
+              </a:rPr>
+              <a:t>StringLength</a:t>
+            </a:r>
+            <a:r>
+              <a:rPr lang="en-US" sz="1000">
+                <a:latin typeface="Arial"/>
+                <a:ea typeface="Calibri"/>
+                <a:cs typeface="Segoe UI"/>
+              </a:rPr>
+              <a:t> validation data annotation to specify this minimum length.</a:t>
+            </a:r>
+            <a:endParaRPr lang="en-US" sz="1000">
+              <a:latin typeface="Arial"/>
+              <a:ea typeface="Calibri"/>
+              <a:cs typeface="Times New Roman"/>
+            </a:endParaRPr>
           </a:p>
         </p:txBody>
       </p:sp>
@@ -4231,10 +4583,10 @@
           <a:bodyPr/>
           <a:lstStyle/>
           <a:p>
-            <a:fld id="{30A63372-EC95-466A-A185-BFDB32169D16}" type="slidenum">
+            <a:fld id="{4C48756B-420C-47B5-B1D1-22EC26BE551A}" type="slidenum">
               <a:rPr lang="en-US" smtClean="0"/>
               <a:pPr/>
-              <a:t>12</a:t>
+              <a:t>11</a:t>
             </a:fld>
             <a:endParaRPr lang="en-US"/>
           </a:p>
@@ -4343,7 +4695,7 @@
                 </a:solidFill>
                 <a:latin typeface="Arial"/>
               </a:rPr>
-              <a:t>05: Developing ASP.NET MVC 4 Views</a:t>
+              <a:t>03: Developing ASP.NET MVC 4 Models</a:t>
             </a:r>
             <a:endParaRPr lang="en-US" sz="1200" b="1">
               <a:solidFill>
@@ -4357,7 +4709,7 @@
     </p:spTree>
     <p:extLst>
       <p:ext uri="{BB962C8B-B14F-4D97-AF65-F5344CB8AC3E}">
-        <p14:creationId xmlns:p14="http://schemas.microsoft.com/office/powerpoint/2010/main" val="3034272832"/>
+        <p14:creationId xmlns:p14="http://schemas.microsoft.com/office/powerpoint/2010/main" val="3049271019"/>
       </p:ext>
     </p:extLst>
   </p:cSld>
@@ -4413,7 +4765,7 @@
         </p:nvSpPr>
         <p:spPr>
           <a:xfrm>
-            <a:off x="310895" y="2093976"/>
+            <a:off x="310895" y="2093975"/>
             <a:ext cx="6153911" cy="6604000"/>
           </a:xfrm>
         </p:spPr>
@@ -4437,155 +4789,7 @@
                 <a:ea typeface="Calibri"/>
                 <a:cs typeface="Times New Roman"/>
               </a:rPr>
-              <a:t>The action helpers described in this topic examine the routes defined in your web application to render the correct URLs. Students have not yet learned about the routing engine or how to modify routes. They will learn about routing in Module 7.</a:t>
-            </a:r>
-          </a:p>
-          <a:p>
-            <a:pPr>
-              <a:lnSpc>
-                <a:spcPct val="115000"/>
-              </a:lnSpc>
-              <a:spcAft>
-                <a:spcPts val="1000"/>
-              </a:spcAft>
-            </a:pPr>
-            <a:r>
-              <a:rPr lang="en-US" sz="1000" b="1">
-                <a:latin typeface="Arial"/>
-                <a:ea typeface="Calibri"/>
-                <a:cs typeface="Times New Roman"/>
-              </a:rPr>
-              <a:t>Question:</a:t>
-            </a:r>
-            <a:r>
-              <a:rPr lang="en-US" sz="1000">
-                <a:latin typeface="Arial"/>
-                <a:ea typeface="Calibri"/>
-                <a:cs typeface="Times New Roman"/>
-              </a:rPr>
-              <a:t> You want to render an HTML5 </a:t>
-            </a:r>
-            <a:r>
-              <a:rPr lang="en-US" sz="1000" b="1">
-                <a:latin typeface="Arial"/>
-                <a:ea typeface="Calibri"/>
-                <a:cs typeface="Times New Roman"/>
-              </a:rPr>
-              <a:t>&lt;audio&gt;</a:t>
-            </a:r>
-            <a:r>
-              <a:rPr lang="en-US" sz="1000">
-                <a:latin typeface="Arial"/>
-                <a:ea typeface="Calibri"/>
-                <a:cs typeface="Times New Roman"/>
-              </a:rPr>
-              <a:t> tag to play a sound file from an action. Would you use the </a:t>
-            </a:r>
-            <a:r>
-              <a:rPr lang="en-US" sz="1000" b="1">
-                <a:latin typeface="Arial"/>
-                <a:ea typeface="Calibri"/>
-                <a:cs typeface="Times New Roman"/>
-              </a:rPr>
-              <a:t>Html.ActionLink()</a:t>
-            </a:r>
-            <a:r>
-              <a:rPr lang="en-US" sz="1000">
-                <a:latin typeface="Arial"/>
-                <a:ea typeface="Calibri"/>
-                <a:cs typeface="Times New Roman"/>
-              </a:rPr>
-              <a:t> helper or the </a:t>
-            </a:r>
-            <a:r>
-              <a:rPr lang="en-US" sz="1000" b="1">
-                <a:latin typeface="Arial"/>
-                <a:ea typeface="Calibri"/>
-                <a:cs typeface="Times New Roman"/>
-              </a:rPr>
-              <a:t>Url.Action()</a:t>
-            </a:r>
-            <a:r>
-              <a:rPr lang="en-US" sz="1000">
-                <a:latin typeface="Arial"/>
-                <a:ea typeface="Calibri"/>
-                <a:cs typeface="Times New Roman"/>
-              </a:rPr>
-              <a:t> helper?</a:t>
-            </a:r>
-          </a:p>
-          <a:p>
-            <a:pPr>
-              <a:lnSpc>
-                <a:spcPct val="115000"/>
-              </a:lnSpc>
-              <a:spcAft>
-                <a:spcPts val="1000"/>
-              </a:spcAft>
-            </a:pPr>
-            <a:r>
-              <a:rPr lang="en-US" sz="1000" b="1">
-                <a:latin typeface="Arial"/>
-                <a:ea typeface="Calibri"/>
-                <a:cs typeface="Times New Roman"/>
-              </a:rPr>
-              <a:t>Answer: </a:t>
-            </a:r>
-            <a:r>
-              <a:rPr lang="en-US" sz="1000">
-                <a:latin typeface="Arial"/>
-                <a:ea typeface="Calibri"/>
-                <a:cs typeface="Times New Roman"/>
-              </a:rPr>
-              <a:t>You would use the </a:t>
-            </a:r>
-            <a:r>
-              <a:rPr lang="en-US" sz="1000" b="1">
-                <a:latin typeface="Arial"/>
-                <a:ea typeface="Calibri"/>
-                <a:cs typeface="Times New Roman"/>
-              </a:rPr>
-              <a:t>Url.Action()</a:t>
-            </a:r>
-            <a:r>
-              <a:rPr lang="en-US" sz="1000">
-                <a:latin typeface="Arial"/>
-                <a:ea typeface="Calibri"/>
-                <a:cs typeface="Times New Roman"/>
-              </a:rPr>
-              <a:t> helper because you are rendering an attribute within the </a:t>
-            </a:r>
-            <a:r>
-              <a:rPr lang="en-US" sz="1000" b="1">
-                <a:latin typeface="Arial"/>
-                <a:ea typeface="Calibri"/>
-                <a:cs typeface="Times New Roman"/>
-              </a:rPr>
-              <a:t>&lt;audio&gt;</a:t>
-            </a:r>
-            <a:r>
-              <a:rPr lang="en-US" sz="1000">
-                <a:latin typeface="Arial"/>
-                <a:ea typeface="Calibri"/>
-                <a:cs typeface="Times New Roman"/>
-              </a:rPr>
-              <a:t> tag, and not a complete </a:t>
-            </a:r>
-            <a:r>
-              <a:rPr lang="en-US" sz="1000" b="1">
-                <a:latin typeface="Arial"/>
-                <a:ea typeface="Calibri"/>
-                <a:cs typeface="Times New Roman"/>
-              </a:rPr>
-              <a:t>&lt;a&gt;</a:t>
-            </a:r>
-            <a:r>
-              <a:rPr lang="en-US" sz="1000">
-                <a:latin typeface="Arial"/>
-                <a:ea typeface="Calibri"/>
-                <a:cs typeface="Times New Roman"/>
-              </a:rPr>
-              <a:t> element.</a:t>
+              <a:t> If you have students who are familiar with Web Forms, you might like to contrast MVC HTML helpers with Web Forms server controls. Helpers perform an analogous role in MVC to the role that server controls play in Web Forms. However, helpers are simpler and lighter-weight. They do not render large blocks of HTML and JavaScript code or ViewState data. Also, they do not support event handlers.</a:t>
             </a:r>
           </a:p>
         </p:txBody>
@@ -4608,7 +4812,7 @@
             <a:fld id="{30A63372-EC95-466A-A185-BFDB32169D16}" type="slidenum">
               <a:rPr lang="en-US" smtClean="0"/>
               <a:pPr/>
-              <a:t>13</a:t>
+              <a:t>12</a:t>
             </a:fld>
             <a:endParaRPr lang="en-US"/>
           </a:p>
@@ -4731,7 +4935,7 @@
     </p:spTree>
     <p:extLst>
       <p:ext uri="{BB962C8B-B14F-4D97-AF65-F5344CB8AC3E}">
-        <p14:creationId xmlns:p14="http://schemas.microsoft.com/office/powerpoint/2010/main" val="2503405695"/>
+        <p14:creationId xmlns:p14="http://schemas.microsoft.com/office/powerpoint/2010/main" val="3034272832"/>
       </p:ext>
     </p:extLst>
   </p:cSld>
@@ -5947,7 +6151,7 @@
             <a:fld id="{989CBD0A-9AE6-4478-99A9-BC227321828D}" type="datetimeFigureOut">
               <a:rPr lang="en-US" smtClean="0"/>
               <a:pPr/>
-              <a:t>9/7/2017</a:t>
+              <a:t>9/27/2017</a:t>
             </a:fld>
             <a:endParaRPr lang="en-US"/>
           </a:p>
@@ -18691,29 +18895,6 @@
           </a:p>
         </p:txBody>
       </p:sp>
-      <p:sp>
-        <p:nvSpPr>
-          <p:cNvPr id="4" name="Untertitel 3"/>
-          <p:cNvSpPr>
-            <a:spLocks noGrp="1"/>
-          </p:cNvSpPr>
-          <p:nvPr>
-            <p:ph type="subTitle" idx="1"/>
-          </p:nvPr>
-        </p:nvSpPr>
-        <p:spPr/>
-        <p:txBody>
-          <a:bodyPr/>
-          <a:lstStyle/>
-          <a:p>
-            <a:r>
-              <a:rPr lang="de-DE" dirty="0"/>
-              <a:t>Sadeq Abu Hantash</a:t>
-            </a:r>
-            <a:endParaRPr lang="de-DE" dirty="0"/>
-          </a:p>
-        </p:txBody>
-      </p:sp>
       <p:pic>
         <p:nvPicPr>
           <p:cNvPr id="3" name="Grafik 2"/>
@@ -18730,8 +18911,8 @@
         </p:blipFill>
         <p:spPr>
           <a:xfrm>
-            <a:off x="587299" y="1962668"/>
-            <a:ext cx="7401497" cy="4617068"/>
+            <a:off x="587299" y="1341748"/>
+            <a:ext cx="8028594" cy="5008252"/>
           </a:xfrm>
           <a:prstGeom prst="rect">
             <a:avLst/>
@@ -18991,6 +19172,28 @@
               <a:rPr lang="de-DE" dirty="0" smtClean="0"/>
               <a:t>Daten</a:t>
             </a:r>
+          </a:p>
+          <a:p>
+            <a:r>
+              <a:rPr lang="de-DE" b="0" dirty="0" err="1" smtClean="0"/>
+              <a:t>Seperation</a:t>
+            </a:r>
+            <a:r>
+              <a:rPr lang="de-DE" b="0" dirty="0" smtClean="0"/>
+              <a:t> </a:t>
+            </a:r>
+            <a:r>
+              <a:rPr lang="de-DE" b="0" dirty="0" err="1" smtClean="0"/>
+              <a:t>of</a:t>
+            </a:r>
+            <a:r>
+              <a:rPr lang="de-DE" b="0" dirty="0" smtClean="0"/>
+              <a:t> </a:t>
+            </a:r>
+            <a:r>
+              <a:rPr lang="de-DE" b="0" dirty="0" err="1" smtClean="0"/>
+              <a:t>concern</a:t>
+            </a:r>
             <a:endParaRPr lang="en-US" b="0" dirty="0" smtClean="0"/>
           </a:p>
           <a:p>
@@ -19027,11 +19230,15 @@
             </a:r>
             <a:r>
               <a:rPr lang="en-US" b="0" dirty="0" err="1" smtClean="0"/>
-              <a:t>genieren</a:t>
+              <a:t>generieren</a:t>
             </a:r>
             <a:r>
               <a:rPr lang="en-US" b="0" dirty="0" smtClean="0"/>
-              <a:t> die </a:t>
+              <a:t> </a:t>
+            </a:r>
+            <a:r>
+              <a:rPr lang="en-US" b="0" dirty="0" smtClean="0"/>
+              <a:t>die </a:t>
             </a:r>
             <a:r>
               <a:rPr lang="en-US" b="0" dirty="0" err="1" smtClean="0"/>
@@ -19068,30 +19275,12 @@
           </a:p>
           <a:p>
             <a:r>
-              <a:rPr lang="en-US" b="0" dirty="0" err="1" smtClean="0"/>
-              <a:t>Nur</a:t>
-            </a:r>
-            <a:r>
               <a:rPr lang="en-US" b="0" dirty="0" smtClean="0"/>
-              <a:t> in Visual Studio</a:t>
-            </a:r>
-          </a:p>
-          <a:p>
-            <a:pPr lvl="1"/>
-            <a:r>
-              <a:rPr lang="en-US" dirty="0" err="1" smtClean="0"/>
-              <a:t>Ansonsten</a:t>
-            </a:r>
-            <a:r>
-              <a:rPr lang="en-US" dirty="0" smtClean="0"/>
-              <a:t> MVVM</a:t>
-            </a:r>
-            <a:endParaRPr lang="en-US" b="0" dirty="0"/>
-          </a:p>
-          <a:p>
+              <a:t>Code </a:t>
+            </a:r>
             <a:r>
               <a:rPr lang="en-US" b="0" dirty="0"/>
-              <a:t>Code in .</a:t>
+              <a:t>in .</a:t>
             </a:r>
             <a:r>
               <a:rPr lang="en-US" b="0" dirty="0" err="1"/>

--- a/04. ASP.NET MVC/Aufbau einer Webapplikation mit ASP.NET MVC.pptx
+++ b/04. ASP.NET MVC/Aufbau einer Webapplikation mit ASP.NET MVC.pptx
@@ -19175,8 +19175,12 @@
           </a:p>
           <a:p>
             <a:r>
+              <a:rPr lang="de-DE" b="0" smtClean="0"/>
+              <a:t>Separation </a:t>
+            </a:r>
+            <a:r>
               <a:rPr lang="de-DE" b="0" dirty="0" err="1" smtClean="0"/>
-              <a:t>Seperation</a:t>
+              <a:t>of</a:t>
             </a:r>
             <a:r>
               <a:rPr lang="de-DE" b="0" dirty="0" smtClean="0"/>
@@ -19184,14 +19188,6 @@
             </a:r>
             <a:r>
               <a:rPr lang="de-DE" b="0" dirty="0" err="1" smtClean="0"/>
-              <a:t>of</a:t>
-            </a:r>
-            <a:r>
-              <a:rPr lang="de-DE" b="0" dirty="0" smtClean="0"/>
-              <a:t> </a:t>
-            </a:r>
-            <a:r>
-              <a:rPr lang="de-DE" b="0" dirty="0" err="1" smtClean="0"/>
               <a:t>concern</a:t>
             </a:r>
             <a:endParaRPr lang="en-US" b="0" dirty="0" smtClean="0"/>
@@ -19234,11 +19230,7 @@
             </a:r>
             <a:r>
               <a:rPr lang="en-US" b="0" dirty="0" smtClean="0"/>
-              <a:t> </a:t>
-            </a:r>
-            <a:r>
-              <a:rPr lang="en-US" b="0" dirty="0" smtClean="0"/>
-              <a:t>die </a:t>
+              <a:t> die </a:t>
             </a:r>
             <a:r>
               <a:rPr lang="en-US" b="0" dirty="0" err="1" smtClean="0"/>
